--- a/CursoSaúdeMental/2-Territorialização.pptx
+++ b/CursoSaúdeMental/2-Territorialização.pptx
@@ -12664,7 +12664,7 @@
           <a:p>
             <a:fld id="{975C0C6F-CDDD-4662-9DA0-3CBFCD37FD8E}" type="datetime1">
               <a:rPr lang="pt-BR" smtClean="0"/>
-              <a:t>06/08/2023</a:t>
+              <a:t>07/08/2023</a:t>
             </a:fld>
             <a:endParaRPr lang="pt-BR" dirty="0"/>
           </a:p>
@@ -12831,7 +12831,7 @@
             <a:fld id="{BF9E7B25-8111-442E-A41B-2383A35EB02C}" type="datetime1">
               <a:rPr lang="pt-BR" smtClean="0"/>
               <a:pPr/>
-              <a:t>06/08/2023</a:t>
+              <a:t>07/08/2023</a:t>
             </a:fld>
             <a:endParaRPr lang="pt-BR" dirty="0"/>
           </a:p>
@@ -20977,13 +20977,13 @@
   <p:clrMapOvr>
     <a:masterClrMapping/>
   </p:clrMapOvr>
-  <mc:AlternateContent xmlns:mc="http://schemas.openxmlformats.org/markup-compatibility/2006">
-    <mc:Choice xmlns:p14="http://schemas.microsoft.com/office/powerpoint/2010/main" Requires="p14">
+  <mc:AlternateContent xmlns:mc="http://schemas.openxmlformats.org/markup-compatibility/2006" xmlns:p14="http://schemas.microsoft.com/office/powerpoint/2010/main">
+    <mc:Choice Requires="p14">
       <p:transition spd="med" p14:dur="700">
         <p:fade/>
       </p:transition>
     </mc:Choice>
-    <mc:Fallback>
+    <mc:Fallback xmlns="">
       <p:transition spd="med">
         <p:fade/>
       </p:transition>
@@ -21084,13 +21084,13 @@
   <p:clrMapOvr>
     <a:masterClrMapping/>
   </p:clrMapOvr>
-  <mc:AlternateContent xmlns:mc="http://schemas.openxmlformats.org/markup-compatibility/2006">
-    <mc:Choice xmlns:p14="http://schemas.microsoft.com/office/powerpoint/2010/main" Requires="p14">
+  <mc:AlternateContent xmlns:mc="http://schemas.openxmlformats.org/markup-compatibility/2006" xmlns:p14="http://schemas.microsoft.com/office/powerpoint/2010/main">
+    <mc:Choice Requires="p14">
       <p:transition spd="med" p14:dur="700">
         <p:fade/>
       </p:transition>
     </mc:Choice>
-    <mc:Fallback>
+    <mc:Fallback xmlns="">
       <p:transition spd="med">
         <p:fade/>
       </p:transition>
@@ -22690,13 +22690,13 @@
   <p:clrMapOvr>
     <a:masterClrMapping/>
   </p:clrMapOvr>
-  <mc:AlternateContent xmlns:mc="http://schemas.openxmlformats.org/markup-compatibility/2006">
-    <mc:Choice xmlns:p14="http://schemas.microsoft.com/office/powerpoint/2010/main" Requires="p14">
+  <mc:AlternateContent xmlns:mc="http://schemas.openxmlformats.org/markup-compatibility/2006" xmlns:p14="http://schemas.microsoft.com/office/powerpoint/2010/main">
+    <mc:Choice Requires="p14">
       <p:transition spd="med" p14:dur="700">
         <p:fade/>
       </p:transition>
     </mc:Choice>
-    <mc:Fallback>
+    <mc:Fallback xmlns="">
       <p:transition spd="med">
         <p:fade/>
       </p:transition>
@@ -24581,20 +24581,20 @@
 </file>
 
 <file path=customXml/item1.xml><?xml version="1.0" encoding="utf-8"?>
-<p:properties xmlns:p="http://schemas.microsoft.com/office/2006/metadata/properties" xmlns:xsi="http://www.w3.org/2001/XMLSchema-instance" xmlns:pc="http://schemas.microsoft.com/office/infopath/2007/PartnerControls">
-  <documentManagement>
-    <MediaServiceKeyPoints xmlns="71af3243-3dd4-4a8d-8c0d-dd76da1f02a5" xsi:nil="true"/>
-  </documentManagement>
-</p:properties>
-</file>
-
-<file path=customXml/item2.xml><?xml version="1.0" encoding="utf-8"?>
 <?mso-contentType ?>
 <FormTemplates xmlns="http://schemas.microsoft.com/sharepoint/v3/contenttype/forms">
   <Display>DocumentLibraryForm</Display>
   <Edit>DocumentLibraryForm</Edit>
   <New>DocumentLibraryForm</New>
 </FormTemplates>
+</file>
+
+<file path=customXml/item2.xml><?xml version="1.0" encoding="utf-8"?>
+<p:properties xmlns:p="http://schemas.microsoft.com/office/2006/metadata/properties" xmlns:xsi="http://www.w3.org/2001/XMLSchema-instance" xmlns:pc="http://schemas.microsoft.com/office/infopath/2007/PartnerControls">
+  <documentManagement>
+    <MediaServiceKeyPoints xmlns="71af3243-3dd4-4a8d-8c0d-dd76da1f02a5" xsi:nil="true"/>
+  </documentManagement>
+</p:properties>
 </file>
 
 <file path=customXml/item3.xml><?xml version="1.0" encoding="utf-8"?>
@@ -24809,19 +24809,19 @@
 </file>
 
 <file path=customXml/itemProps1.xml><?xml version="1.0" encoding="utf-8"?>
+<ds:datastoreItem xmlns:ds="http://schemas.openxmlformats.org/officeDocument/2006/customXml" ds:itemID="{0C66BDC7-24D2-4343-8D41-18F9C23F860A}">
+  <ds:schemaRefs>
+    <ds:schemaRef ds:uri="http://schemas.microsoft.com/sharepoint/v3/contenttype/forms"/>
+  </ds:schemaRefs>
+</ds:datastoreItem>
+</file>
+
+<file path=customXml/itemProps2.xml><?xml version="1.0" encoding="utf-8"?>
 <ds:datastoreItem xmlns:ds="http://schemas.openxmlformats.org/officeDocument/2006/customXml" ds:itemID="{AF4BDB64-2AF8-42D4-96C8-B6B6F098993C}">
   <ds:schemaRefs>
     <ds:schemaRef ds:uri="http://schemas.microsoft.com/office/2006/metadata/properties"/>
     <ds:schemaRef ds:uri="http://schemas.microsoft.com/office/infopath/2007/PartnerControls"/>
     <ds:schemaRef ds:uri="71af3243-3dd4-4a8d-8c0d-dd76da1f02a5"/>
-  </ds:schemaRefs>
-</ds:datastoreItem>
-</file>
-
-<file path=customXml/itemProps2.xml><?xml version="1.0" encoding="utf-8"?>
-<ds:datastoreItem xmlns:ds="http://schemas.openxmlformats.org/officeDocument/2006/customXml" ds:itemID="{0C66BDC7-24D2-4343-8D41-18F9C23F860A}">
-  <ds:schemaRefs>
-    <ds:schemaRef ds:uri="http://schemas.microsoft.com/sharepoint/v3/contenttype/forms"/>
   </ds:schemaRefs>
 </ds:datastoreItem>
 </file>

--- a/CursoSaúdeMental/2-Territorialização.pptx
+++ b/CursoSaúdeMental/2-Territorialização.pptx
@@ -12,10 +12,10 @@
   </p:handoutMasterIdLst>
   <p:sldIdLst>
     <p:sldId id="275" r:id="rId5"/>
-    <p:sldId id="298" r:id="rId6"/>
-    <p:sldId id="299" r:id="rId7"/>
-    <p:sldId id="300" r:id="rId8"/>
-    <p:sldId id="301" r:id="rId9"/>
+    <p:sldId id="299" r:id="rId6"/>
+    <p:sldId id="300" r:id="rId7"/>
+    <p:sldId id="301" r:id="rId8"/>
+    <p:sldId id="310" r:id="rId9"/>
     <p:sldId id="302" r:id="rId10"/>
     <p:sldId id="303" r:id="rId11"/>
     <p:sldId id="304" r:id="rId12"/>
@@ -26,7 +26,7 @@
     <p:sldId id="309" r:id="rId17"/>
   </p:sldIdLst>
   <p:sldSz cx="12192000" cy="6858000"/>
-  <p:notesSz cx="6858000" cy="9144000"/>
+  <p:notesSz cx="6797675" cy="9928225"/>
   <p:defaultTextStyle>
     <a:defPPr rtl="0">
       <a:defRPr lang="pt-br"/>
@@ -3284,15 +3284,7 @@
         <a:p>
           <a:r>
             <a:rPr lang="pt-BR" dirty="0"/>
-            <a:t>Antigo </a:t>
-          </a:r>
-          <a:r>
-            <a:rPr lang="pt-BR" dirty="0" err="1"/>
-            <a:t>ModeloReforma</a:t>
-          </a:r>
-          <a:r>
-            <a:rPr lang="pt-BR" dirty="0"/>
-            <a:t> Psiquiátrica</a:t>
+            <a:t>Antigo Modelo</a:t>
           </a:r>
         </a:p>
       </dgm:t>
@@ -3363,12 +3355,8 @@
         <a:lstStyle/>
         <a:p>
           <a:r>
-            <a:rPr lang="pt-BR"/>
-            <a:t>Reforma </a:t>
-          </a:r>
-          <a:r>
             <a:rPr lang="pt-BR" dirty="0"/>
-            <a:t>Psiquiátrica</a:t>
+            <a:t>Reforma Psiquiátrica</a:t>
           </a:r>
         </a:p>
       </dgm:t>
@@ -3376,10 +3364,24 @@
     <dgm:pt modelId="{C0577270-2045-44C1-A845-65E48A59741D}" type="parTrans" cxnId="{9D2AF985-DD81-46F0-ACFC-A6E6D70EF138}">
       <dgm:prSet/>
       <dgm:spPr/>
+      <dgm:t>
+        <a:bodyPr/>
+        <a:lstStyle/>
+        <a:p>
+          <a:endParaRPr lang="pt-BR"/>
+        </a:p>
+      </dgm:t>
     </dgm:pt>
     <dgm:pt modelId="{95E693DD-D6B1-45DF-825F-5B993C4A5912}" type="sibTrans" cxnId="{9D2AF985-DD81-46F0-ACFC-A6E6D70EF138}">
       <dgm:prSet/>
       <dgm:spPr/>
+      <dgm:t>
+        <a:bodyPr/>
+        <a:lstStyle/>
+        <a:p>
+          <a:endParaRPr lang="pt-BR"/>
+        </a:p>
+      </dgm:t>
     </dgm:pt>
     <dgm:pt modelId="{7F755FC9-771D-421F-A93A-466C70DCDF7A}" type="pres">
       <dgm:prSet presAssocID="{EF13746A-E902-4AA5-A445-E0238025E3C4}" presName="arrowDiagram" presStyleCnt="0">
@@ -4466,7 +4468,7 @@
         </a:bodyPr>
         <a:lstStyle/>
         <a:p>
-          <a:pPr marL="0" lvl="0" indent="0" algn="l" defTabSz="800100">
+          <a:pPr marL="0" lvl="0" indent="0" algn="l" defTabSz="977900">
             <a:lnSpc>
               <a:spcPct val="90000"/>
             </a:lnSpc>
@@ -4479,16 +4481,8 @@
             <a:buNone/>
           </a:pPr>
           <a:r>
-            <a:rPr lang="pt-BR" sz="1800" kern="1200" dirty="0"/>
-            <a:t>Antigo </a:t>
-          </a:r>
-          <a:r>
-            <a:rPr lang="pt-BR" sz="1800" kern="1200" dirty="0" err="1"/>
-            <a:t>ModeloReforma</a:t>
-          </a:r>
-          <a:r>
-            <a:rPr lang="pt-BR" sz="1800" kern="1200" dirty="0"/>
-            <a:t> Psiquiátrica</a:t>
+            <a:rPr lang="pt-BR" sz="2200" kern="1200" dirty="0"/>
+            <a:t>Antigo Modelo</a:t>
           </a:r>
         </a:p>
       </dsp:txBody>
@@ -4584,7 +4578,7 @@
         </a:bodyPr>
         <a:lstStyle/>
         <a:p>
-          <a:pPr marL="0" lvl="0" indent="0" algn="l" defTabSz="800100">
+          <a:pPr marL="0" lvl="0" indent="0" algn="l" defTabSz="977900">
             <a:lnSpc>
               <a:spcPct val="90000"/>
             </a:lnSpc>
@@ -4597,12 +4591,8 @@
             <a:buNone/>
           </a:pPr>
           <a:r>
-            <a:rPr lang="pt-BR" sz="1800" kern="1200"/>
-            <a:t>Reforma </a:t>
-          </a:r>
-          <a:r>
-            <a:rPr lang="pt-BR" sz="1800" kern="1200" dirty="0"/>
-            <a:t>Psiquiátrica</a:t>
+            <a:rPr lang="pt-BR" sz="2200" kern="1200" dirty="0"/>
+            <a:t>Reforma Psiquiátrica</a:t>
           </a:r>
         </a:p>
       </dsp:txBody>
@@ -4698,7 +4688,7 @@
         </a:bodyPr>
         <a:lstStyle/>
         <a:p>
-          <a:pPr marL="0" lvl="0" indent="0" algn="l" defTabSz="800100">
+          <a:pPr marL="0" lvl="0" indent="0" algn="l" defTabSz="977900">
             <a:lnSpc>
               <a:spcPct val="90000"/>
             </a:lnSpc>
@@ -4711,7 +4701,7 @@
             <a:buNone/>
           </a:pPr>
           <a:r>
-            <a:rPr lang="pt-BR" sz="1800" kern="1200" dirty="0"/>
+            <a:rPr lang="pt-BR" sz="2200" kern="1200" dirty="0"/>
             <a:t>Atenção Psicossocial</a:t>
           </a:r>
         </a:p>
@@ -12617,14 +12607,14 @@
         <p:spPr>
           <a:xfrm>
             <a:off x="0" y="0"/>
-            <a:ext cx="2971800" cy="458788"/>
+            <a:ext cx="2945659" cy="498136"/>
           </a:xfrm>
           <a:prstGeom prst="rect">
             <a:avLst/>
           </a:prstGeom>
         </p:spPr>
         <p:txBody>
-          <a:bodyPr vert="horz" lIns="91440" tIns="45720" rIns="91440" bIns="45720" rtlCol="0"/>
+          <a:bodyPr vert="horz" lIns="91010" tIns="45505" rIns="91010" bIns="45505" rtlCol="0"/>
           <a:lstStyle>
             <a:lvl1pPr algn="l">
               <a:defRPr sz="1200"/>
@@ -12647,15 +12637,15 @@
         </p:nvSpPr>
         <p:spPr>
           <a:xfrm>
-            <a:off x="3884613" y="0"/>
-            <a:ext cx="2971800" cy="458788"/>
+            <a:off x="3850443" y="0"/>
+            <a:ext cx="2945659" cy="498136"/>
           </a:xfrm>
           <a:prstGeom prst="rect">
             <a:avLst/>
           </a:prstGeom>
         </p:spPr>
         <p:txBody>
-          <a:bodyPr vert="horz" lIns="91440" tIns="45720" rIns="91440" bIns="45720" rtlCol="0"/>
+          <a:bodyPr vert="horz" lIns="91010" tIns="45505" rIns="91010" bIns="45505" rtlCol="0"/>
           <a:lstStyle>
             <a:lvl1pPr algn="r">
               <a:defRPr sz="1200"/>
@@ -12664,7 +12654,7 @@
           <a:p>
             <a:fld id="{975C0C6F-CDDD-4662-9DA0-3CBFCD37FD8E}" type="datetime1">
               <a:rPr lang="pt-BR" smtClean="0"/>
-              <a:t>07/08/2023</a:t>
+              <a:t>14/08/2023</a:t>
             </a:fld>
             <a:endParaRPr lang="pt-BR" dirty="0"/>
           </a:p>
@@ -12682,15 +12672,15 @@
         </p:nvSpPr>
         <p:spPr>
           <a:xfrm>
-            <a:off x="0" y="8685213"/>
-            <a:ext cx="2971800" cy="458787"/>
+            <a:off x="0" y="9430092"/>
+            <a:ext cx="2945659" cy="498135"/>
           </a:xfrm>
           <a:prstGeom prst="rect">
             <a:avLst/>
           </a:prstGeom>
         </p:spPr>
         <p:txBody>
-          <a:bodyPr vert="horz" lIns="91440" tIns="45720" rIns="91440" bIns="45720" rtlCol="0" anchor="b"/>
+          <a:bodyPr vert="horz" lIns="91010" tIns="45505" rIns="91010" bIns="45505" rtlCol="0" anchor="b"/>
           <a:lstStyle>
             <a:lvl1pPr algn="l">
               <a:defRPr sz="1200"/>
@@ -12713,15 +12703,15 @@
         </p:nvSpPr>
         <p:spPr>
           <a:xfrm>
-            <a:off x="3884613" y="8685213"/>
-            <a:ext cx="2971800" cy="458787"/>
+            <a:off x="3850443" y="9430092"/>
+            <a:ext cx="2945659" cy="498135"/>
           </a:xfrm>
           <a:prstGeom prst="rect">
             <a:avLst/>
           </a:prstGeom>
         </p:spPr>
         <p:txBody>
-          <a:bodyPr vert="horz" lIns="91440" tIns="45720" rIns="91440" bIns="45720" rtlCol="0" anchor="b"/>
+          <a:bodyPr vert="horz" lIns="91010" tIns="45505" rIns="91010" bIns="45505" rtlCol="0" anchor="b"/>
           <a:lstStyle>
             <a:lvl1pPr algn="r">
               <a:defRPr sz="1200"/>
@@ -12782,14 +12772,14 @@
         <p:spPr>
           <a:xfrm>
             <a:off x="0" y="0"/>
-            <a:ext cx="2971800" cy="458788"/>
+            <a:ext cx="2945659" cy="498136"/>
           </a:xfrm>
           <a:prstGeom prst="rect">
             <a:avLst/>
           </a:prstGeom>
         </p:spPr>
         <p:txBody>
-          <a:bodyPr vert="horz" lIns="91440" tIns="45720" rIns="91440" bIns="45720" rtlCol="0"/>
+          <a:bodyPr vert="horz" lIns="91010" tIns="45505" rIns="91010" bIns="45505" rtlCol="0"/>
           <a:lstStyle>
             <a:lvl1pPr algn="l">
               <a:defRPr sz="1200"/>
@@ -12813,15 +12803,15 @@
         </p:nvSpPr>
         <p:spPr>
           <a:xfrm>
-            <a:off x="3884613" y="0"/>
-            <a:ext cx="2971800" cy="458788"/>
+            <a:off x="3850443" y="0"/>
+            <a:ext cx="2945659" cy="498136"/>
           </a:xfrm>
           <a:prstGeom prst="rect">
             <a:avLst/>
           </a:prstGeom>
         </p:spPr>
         <p:txBody>
-          <a:bodyPr vert="horz" lIns="91440" tIns="45720" rIns="91440" bIns="45720" rtlCol="0"/>
+          <a:bodyPr vert="horz" lIns="91010" tIns="45505" rIns="91010" bIns="45505" rtlCol="0"/>
           <a:lstStyle>
             <a:lvl1pPr algn="r">
               <a:defRPr sz="1200"/>
@@ -12831,7 +12821,7 @@
             <a:fld id="{BF9E7B25-8111-442E-A41B-2383A35EB02C}" type="datetime1">
               <a:rPr lang="pt-BR" smtClean="0"/>
               <a:pPr/>
-              <a:t>07/08/2023</a:t>
+              <a:t>14/08/2023</a:t>
             </a:fld>
             <a:endParaRPr lang="pt-BR" dirty="0"/>
           </a:p>
@@ -12849,8 +12839,8 @@
         </p:nvSpPr>
         <p:spPr>
           <a:xfrm>
-            <a:off x="685800" y="1143000"/>
-            <a:ext cx="5486400" cy="3086100"/>
+            <a:off x="420688" y="1241425"/>
+            <a:ext cx="5956300" cy="3351213"/>
           </a:xfrm>
           <a:prstGeom prst="rect">
             <a:avLst/>
@@ -12863,7 +12853,7 @@
           </a:ln>
         </p:spPr>
         <p:txBody>
-          <a:bodyPr vert="horz" lIns="91440" tIns="45720" rIns="91440" bIns="45720" rtlCol="0" anchor="ctr"/>
+          <a:bodyPr vert="horz" lIns="91010" tIns="45505" rIns="91010" bIns="45505" rtlCol="0" anchor="ctr"/>
           <a:lstStyle/>
           <a:p>
             <a:pPr rtl="0"/>
@@ -12883,15 +12873,15 @@
         </p:nvSpPr>
         <p:spPr>
           <a:xfrm>
-            <a:off x="685800" y="4400550"/>
-            <a:ext cx="5486400" cy="3600450"/>
+            <a:off x="679768" y="4777958"/>
+            <a:ext cx="5438140" cy="3909239"/>
           </a:xfrm>
           <a:prstGeom prst="rect">
             <a:avLst/>
           </a:prstGeom>
         </p:spPr>
         <p:txBody>
-          <a:bodyPr vert="horz" lIns="91440" tIns="45720" rIns="91440" bIns="45720" rtlCol="0"/>
+          <a:bodyPr vert="horz" lIns="91010" tIns="45505" rIns="91010" bIns="45505" rtlCol="0"/>
           <a:lstStyle/>
           <a:p>
             <a:pPr lvl="0" rtl="0"/>
@@ -12942,15 +12932,15 @@
         </p:nvSpPr>
         <p:spPr>
           <a:xfrm>
-            <a:off x="0" y="8685213"/>
-            <a:ext cx="2971800" cy="458787"/>
+            <a:off x="0" y="9430092"/>
+            <a:ext cx="2945659" cy="498135"/>
           </a:xfrm>
           <a:prstGeom prst="rect">
             <a:avLst/>
           </a:prstGeom>
         </p:spPr>
         <p:txBody>
-          <a:bodyPr vert="horz" lIns="91440" tIns="45720" rIns="91440" bIns="45720" rtlCol="0" anchor="b"/>
+          <a:bodyPr vert="horz" lIns="91010" tIns="45505" rIns="91010" bIns="45505" rtlCol="0" anchor="b"/>
           <a:lstStyle>
             <a:lvl1pPr algn="l">
               <a:defRPr sz="1200"/>
@@ -12974,15 +12964,15 @@
         </p:nvSpPr>
         <p:spPr>
           <a:xfrm>
-            <a:off x="3884613" y="8685213"/>
-            <a:ext cx="2971800" cy="458787"/>
+            <a:off x="3850443" y="9430092"/>
+            <a:ext cx="2945659" cy="498135"/>
           </a:xfrm>
           <a:prstGeom prst="rect">
             <a:avLst/>
           </a:prstGeom>
         </p:spPr>
         <p:txBody>
-          <a:bodyPr vert="horz" lIns="91440" tIns="45720" rIns="91440" bIns="45720" rtlCol="0" anchor="b"/>
+          <a:bodyPr vert="horz" lIns="91010" tIns="45505" rIns="91010" bIns="45505" rtlCol="0" anchor="b"/>
           <a:lstStyle>
             <a:lvl1pPr algn="r">
               <a:defRPr sz="1200"/>
@@ -13146,238 +13136,49 @@
           <a:lstStyle/>
           <a:p>
             <a:r>
-              <a:rPr lang="pt-BR" dirty="0" err="1"/>
-              <a:t>ChatPDF</a:t>
+              <a:rPr lang="pt-BR" dirty="0"/>
+              <a:t> </a:t>
             </a:r>
-            <a:endParaRPr lang="pt-BR" dirty="0"/>
-          </a:p>
-          <a:p>
             <a:r>
-              <a:rPr lang="pt-BR" b="0" i="0" dirty="0">
-                <a:effectLst/>
-                <a:latin typeface="-apple-system"/>
-              </a:rPr>
-              <a:t>Claro! Vou tentar explicar de uma forma simples e clara. A atenção psicossocial é um jeito de cuidar da saúde mental das pessoas que foi criado no Brasil. Antes, muitas pessoas que tinham problemas mentais eram internadas em hospitais que eram chamados de manicômios. Esses lugares não eram muito bons e as pessoas não eram tratadas com muito carinho. Mas aí, um grupo de pessoas que trabalhavam com saúde mental, junto com pacientes e familiares, começaram a lutar para mudar isso. Eles queriam que as pessoas com problemas mentais fossem tratadas de uma forma mais humana, sem precisar ficar internadas em hospitais ruins. Então, eles criaram a atenção psicossocial, que é um jeito de cuidar da saúde mental das pessoas de uma forma mais próxima e carinhosa. É como se fosse um abraço que ajuda a pessoa a se sentir melhor. A atenção psicossocial é feita por profissionais de saúde que trabalham em lugares chamados CAPS. Esses lugares são como casas onde as pessoas podem ir para conversar, fazer atividades e receber ajuda para cuidar da saúde mental. </a:t>
+              <a:rPr lang="pt-BR" sz="900" b="1" dirty="0"/>
+              <a:t>Bom dia a todos</a:t>
             </a:r>
-            <a:br>
-              <a:rPr lang="pt-BR" dirty="0"/>
-            </a:br>
-            <a:endParaRPr lang="pt-BR" dirty="0"/>
-          </a:p>
-          <a:p>
             <a:r>
-              <a:rPr lang="pt-BR" dirty="0" err="1"/>
-              <a:t>Bard</a:t>
+              <a:rPr lang="pt-BR" sz="3200" dirty="0"/>
+              <a:t>! </a:t>
             </a:r>
-            <a:endParaRPr lang="pt-BR" dirty="0"/>
-          </a:p>
-          <a:p>
-            <a:pPr algn="l"/>
             <a:r>
-              <a:rPr lang="pt-BR" b="0" i="0" dirty="0">
-                <a:solidFill>
-                  <a:srgbClr val="1F1F1F"/>
-                </a:solidFill>
-                <a:effectLst/>
-                <a:latin typeface="Google Sans"/>
-              </a:rPr>
-              <a:t>A atenção psicossocial é um modelo de atenção à saúde mental que busca promover a recuperação e a reabilitação das pessoas com transtornos mentais. Ela se baseia na ideia de que a saúde mental é um direito humano fundamental e que todos devem ter acesso a um atendimento de qualidade, independentemente de sua condição social ou econômica.</a:t>
+              <a:rPr lang="pt-BR" sz="3200" b="1" dirty="0"/>
+              <a:t>É uma alegria estar aqui hoje com vocês, profissionais dedicados e apaixonados pela saúde da comunidade</a:t>
             </a:r>
-          </a:p>
-          <a:p>
-            <a:pPr algn="l"/>
             <a:r>
-              <a:rPr lang="pt-BR" b="0" i="0" dirty="0">
-                <a:solidFill>
-                  <a:srgbClr val="1F1F1F"/>
-                </a:solidFill>
-                <a:effectLst/>
-                <a:latin typeface="Google Sans"/>
-              </a:rPr>
-              <a:t>A atenção psicossocial se diferencia do modelo tradicional de atenção à saúde mental, que se concentra no tratamento dos sintomas e na internação em hospitais psiquiátricos. A atenção psicossocial, por outro lado, se concentra na recuperação e na reabilitação das pessoas com transtornos mentais. Ela oferece uma série de serviços, como psicoterapia, grupos de apoio, oficinas terapêuticas e atividades de lazer, que ajudam as pessoas a desenvolver habilidades sociais, a superar desafios e a viver uma vida plena.</a:t>
+              <a:rPr lang="pt-BR" sz="3200" dirty="0"/>
+              <a:t>. </a:t>
             </a:r>
-          </a:p>
-          <a:p>
-            <a:pPr algn="l"/>
             <a:r>
-              <a:rPr lang="pt-BR" b="0" i="0" dirty="0">
-                <a:solidFill>
-                  <a:srgbClr val="1F1F1F"/>
-                </a:solidFill>
-                <a:effectLst/>
-                <a:latin typeface="Google Sans"/>
-              </a:rPr>
-              <a:t>A atenção psicossocial é um modelo de atenção à saúde mental que está em crescente expansão no Brasil. Ela é oferecida por uma rede de serviços que inclui CAPS (Centros de Atenção Psicossocial), UBS (Unidades Básicas de Saúde), hospitais gerais e outros serviços especializados. A atenção psicossocial é uma ferramenta importante para a promoção da saúde mental e para a construção de uma sociedade mais justa e inclusiva.</a:t>
+              <a:rPr lang="pt-BR" sz="3200" b="1" dirty="0"/>
+              <a:t>Sou o Márcio</a:t>
             </a:r>
-          </a:p>
-          <a:p>
-            <a:pPr algn="l"/>
             <a:r>
-              <a:rPr lang="pt-BR" b="0" i="0" dirty="0">
-                <a:solidFill>
-                  <a:srgbClr val="1F1F1F"/>
-                </a:solidFill>
-                <a:effectLst/>
-                <a:latin typeface="Google Sans"/>
-              </a:rPr>
-              <a:t>Aqui estão algumas analogias e metáforas que podem ser usadas para explicar a atenção psicossocial para crianças de 5 anos:</a:t>
+              <a:rPr lang="pt-BR" sz="3200" dirty="0"/>
+              <a:t>, enfermeiro de formação, com experiência em Saúde da Família e atualmente, assessor técnico na Secretaria de Saúde de Granja. Hoje, </a:t>
             </a:r>
-          </a:p>
-          <a:p>
-            <a:pPr algn="l">
-              <a:buFont typeface="Arial" panose="020B0604020202020204" pitchFamily="34" charset="0"/>
-              <a:buChar char="•"/>
-            </a:pPr>
             <a:r>
-              <a:rPr lang="pt-BR" b="0" i="0" dirty="0">
-                <a:solidFill>
-                  <a:srgbClr val="1F1F1F"/>
-                </a:solidFill>
-                <a:effectLst/>
-                <a:latin typeface="Google Sans"/>
-              </a:rPr>
-              <a:t>A atenção psicossocial é como um jardim. O jardim é a mente, e as flores são as pessoas com transtornos mentais. A atenção psicossocial ajuda as flores a crescer e a florescer, mesmo que elas tenham sido danificadas pelo vento ou pela chuva.</a:t>
+              <a:rPr lang="pt-BR" sz="3200" b="1" dirty="0"/>
+              <a:t>vamos explorar um tema fundamental: </a:t>
             </a:r>
-          </a:p>
-          <a:p>
-            <a:pPr algn="l">
-              <a:buFont typeface="Arial" panose="020B0604020202020204" pitchFamily="34" charset="0"/>
-              <a:buChar char="•"/>
-            </a:pPr>
             <a:r>
-              <a:rPr lang="pt-BR" b="0" i="0" dirty="0">
-                <a:solidFill>
-                  <a:srgbClr val="1F1F1F"/>
-                </a:solidFill>
-                <a:effectLst/>
-                <a:latin typeface="Google Sans"/>
-              </a:rPr>
-              <a:t>A atenção psicossocial é como uma escada. A escada é o caminho para a recuperação, e os degraus são os serviços que a atenção psicossocial oferece. Com a ajuda da atenção psicossocial, as pessoas com transtornos mentais podem subir os degraus e alcançar a recuperação.</a:t>
+              <a:rPr lang="pt-BR" sz="3200" dirty="0"/>
+              <a:t>Territorialização e Diagnóstico de Saúde da Comunidade. Vamos desenvolver essas ferramentas essenciais para </a:t>
             </a:r>
-          </a:p>
-          <a:p>
-            <a:pPr algn="l">
-              <a:buFont typeface="Arial" panose="020B0604020202020204" pitchFamily="34" charset="0"/>
-              <a:buChar char="•"/>
-            </a:pPr>
             <a:r>
-              <a:rPr lang="pt-BR" b="0" i="0" dirty="0">
-                <a:solidFill>
-                  <a:srgbClr val="1F1F1F"/>
-                </a:solidFill>
-                <a:effectLst/>
-                <a:latin typeface="Google Sans"/>
-              </a:rPr>
-              <a:t>A atenção psicossocial é como uma rede de segurança. A rede de segurança é a comunidade, e as pessoas com transtornos mentais são as pessoas que estão caindo. A atenção psicossocial ajuda as pessoas a não cair, e as segura enquanto elas se recuperam.</a:t>
+              <a:rPr lang="pt-BR" sz="3200" b="1" dirty="0"/>
+              <a:t>planejar ações eficazes e construir um sistema de saúde mais forte e humano</a:t>
             </a:r>
-          </a:p>
-          <a:p>
             <a:r>
-              <a:rPr lang="pt-BR" b="0" i="0" dirty="0">
-                <a:solidFill>
-                  <a:srgbClr val="1F1F1F"/>
-                </a:solidFill>
-                <a:effectLst/>
-                <a:latin typeface="Google Sans"/>
-              </a:rPr>
-              <a:t>A atenção psicossocial é um modelo de atenção à saúde mental que está mudando a vida de milhares de pessoas no Brasil. É um modelo que se baseia na ideia de que todos têm direito à saúde mental, e que todos merecem ter acesso a um atendimento de qualidade.</a:t>
+              <a:rPr lang="pt-BR" sz="3200" dirty="0"/>
+              <a:t>.</a:t>
             </a:r>
-          </a:p>
-          <a:p>
-            <a:r>
-              <a:rPr lang="pt-BR" b="0" i="0" dirty="0">
-                <a:solidFill>
-                  <a:srgbClr val="1F1F1F"/>
-                </a:solidFill>
-                <a:effectLst/>
-                <a:latin typeface="Google Sans"/>
-              </a:rPr>
-              <a:t>ChatGPT</a:t>
-            </a:r>
-          </a:p>
-          <a:p>
-            <a:pPr algn="l"/>
-            <a:r>
-              <a:rPr lang="pt-BR" b="0" i="0" dirty="0">
-                <a:solidFill>
-                  <a:srgbClr val="374151"/>
-                </a:solidFill>
-                <a:effectLst/>
-                <a:latin typeface="Söhne"/>
-              </a:rPr>
-              <a:t>Sabe, a "atenção psicossocial" é um jeito especial de cuidar das pessoas que têm dificuldades emocionais ou problemas na cabeça, como quando alguém está triste, ansioso ou assustado com alguma coisa. É como dar um abraço, mas também conversar com a pessoa para entender o que está acontecendo dentro dela.</a:t>
-            </a:r>
-          </a:p>
-          <a:p>
-            <a:pPr algn="l"/>
-            <a:r>
-              <a:rPr lang="pt-BR" b="0" i="0" dirty="0">
-                <a:solidFill>
-                  <a:srgbClr val="374151"/>
-                </a:solidFill>
-                <a:effectLst/>
-                <a:latin typeface="Söhne"/>
-              </a:rPr>
-              <a:t>Antigamente, algumas pessoas que tinham essas dificuldades eram levadas para um lugar chamado "manicômio", que parecia um castelo assustador. Lá, não recebiam muito carinho e ficavam isoladas, o que as deixava ainda mais tristes.</a:t>
-            </a:r>
-          </a:p>
-          <a:p>
-            <a:pPr algn="l"/>
-            <a:r>
-              <a:rPr lang="pt-BR" b="0" i="0" dirty="0">
-                <a:solidFill>
-                  <a:srgbClr val="374151"/>
-                </a:solidFill>
-                <a:effectLst/>
-                <a:latin typeface="Söhne"/>
-              </a:rPr>
-              <a:t>Então, várias pessoas se uniram para mudar isso. Eram trabalhadores da saúde mental (que cuidam da cabeça das pessoas), internos dos hospitais psiquiátricos (que já estavam lá) e suas famílias. Eles queriam que essas pessoas não fossem mais para esses lugares assustadores, mas sim fossem tratadas de um jeito mais humano.</a:t>
-            </a:r>
-          </a:p>
-          <a:p>
-            <a:pPr algn="l"/>
-            <a:r>
-              <a:rPr lang="pt-BR" b="0" i="0" dirty="0">
-                <a:solidFill>
-                  <a:srgbClr val="374151"/>
-                </a:solidFill>
-                <a:effectLst/>
-                <a:latin typeface="Söhne"/>
-              </a:rPr>
-              <a:t>A atenção psicossocial trouxe um jeito melhor de cuidar das pessoas, com carinho, conversa e cuidados especiais. É como se fosse um bolo gostoso, onde cada pedaço é importante para ajudar a pessoa a se sentir melhor. O carinho e a conversa são como os ingredientes do bolo, e a pessoa é o bolo em si.</a:t>
-            </a:r>
-          </a:p>
-          <a:p>
-            <a:pPr algn="l"/>
-            <a:r>
-              <a:rPr lang="pt-BR" b="0" i="0" dirty="0">
-                <a:solidFill>
-                  <a:srgbClr val="374151"/>
-                </a:solidFill>
-                <a:effectLst/>
-                <a:latin typeface="Söhne"/>
-              </a:rPr>
-              <a:t>Essa mudança foi muito importante para que as pessoas não ficassem tristes e isoladas, mas sim recebessem apoio e compreensão para superar seus desafios.</a:t>
-            </a:r>
-          </a:p>
-          <a:p>
-            <a:pPr algn="l"/>
-            <a:r>
-              <a:rPr lang="pt-BR" b="0" i="0" dirty="0">
-                <a:solidFill>
-                  <a:srgbClr val="374151"/>
-                </a:solidFill>
-                <a:effectLst/>
-                <a:latin typeface="Söhne"/>
-              </a:rPr>
-              <a:t>Portanto, a atenção psicossocial é um abraço carinhoso e uma conversa amiga que ajudam as pessoas a se sentirem melhor quando estão passando por momentos difíceis na cabeça.</a:t>
-            </a:r>
-          </a:p>
-          <a:p>
-            <a:br>
-              <a:rPr lang="pt-BR" dirty="0"/>
-            </a:br>
-            <a:endParaRPr lang="pt-BR" dirty="0"/>
           </a:p>
         </p:txBody>
       </p:sp>
@@ -13399,7 +13200,7 @@
             <a:pPr rtl="0"/>
             <a:fld id="{060C6D3C-9EB0-4F2C-9026-3887D1CDB44E}" type="slidenum">
               <a:rPr lang="pt-BR" noProof="0" smtClean="0"/>
-              <a:t>3</a:t>
+              <a:t>1</a:t>
             </a:fld>
             <a:endParaRPr lang="pt-BR" noProof="0" dirty="0"/>
           </a:p>
@@ -13408,7 +13209,347 @@
     </p:spTree>
     <p:extLst>
       <p:ext uri="{BB962C8B-B14F-4D97-AF65-F5344CB8AC3E}">
-        <p14:creationId xmlns:p14="http://schemas.microsoft.com/office/powerpoint/2010/main" val="3293832474"/>
+        <p14:creationId xmlns:p14="http://schemas.microsoft.com/office/powerpoint/2010/main" val="1806345377"/>
+      </p:ext>
+    </p:extLst>
+  </p:cSld>
+  <p:clrMapOvr>
+    <a:masterClrMapping/>
+  </p:clrMapOvr>
+</p:notes>
+</file>
+
+<file path=ppt/notesSlides/notesSlide10.xml><?xml version="1.0" encoding="utf-8"?>
+<p:notes xmlns:a="http://schemas.openxmlformats.org/drawingml/2006/main" xmlns:r="http://schemas.openxmlformats.org/officeDocument/2006/relationships" xmlns:p="http://schemas.openxmlformats.org/presentationml/2006/main">
+  <p:cSld>
+    <p:spTree>
+      <p:nvGrpSpPr>
+        <p:cNvPr id="1" name=""/>
+        <p:cNvGrpSpPr/>
+        <p:nvPr/>
+      </p:nvGrpSpPr>
+      <p:grpSpPr>
+        <a:xfrm>
+          <a:off x="0" y="0"/>
+          <a:ext cx="0" cy="0"/>
+          <a:chOff x="0" y="0"/>
+          <a:chExt cx="0" cy="0"/>
+        </a:xfrm>
+      </p:grpSpPr>
+      <p:sp>
+        <p:nvSpPr>
+          <p:cNvPr id="2" name="Espaço Reservado para Imagem de Slide 1"/>
+          <p:cNvSpPr>
+            <a:spLocks noGrp="1" noRot="1" noChangeAspect="1"/>
+          </p:cNvSpPr>
+          <p:nvPr>
+            <p:ph type="sldImg"/>
+          </p:nvPr>
+        </p:nvSpPr>
+        <p:spPr/>
+      </p:sp>
+      <p:sp>
+        <p:nvSpPr>
+          <p:cNvPr id="3" name="Espaço Reservado para Anotações 2"/>
+          <p:cNvSpPr>
+            <a:spLocks noGrp="1"/>
+          </p:cNvSpPr>
+          <p:nvPr>
+            <p:ph type="body" idx="1"/>
+          </p:nvPr>
+        </p:nvSpPr>
+        <p:spPr/>
+        <p:txBody>
+          <a:bodyPr/>
+          <a:lstStyle/>
+          <a:p>
+            <a:endParaRPr lang="pt-BR"/>
+          </a:p>
+        </p:txBody>
+      </p:sp>
+      <p:sp>
+        <p:nvSpPr>
+          <p:cNvPr id="4" name="Espaço Reservado para Número de Slide 3"/>
+          <p:cNvSpPr>
+            <a:spLocks noGrp="1"/>
+          </p:cNvSpPr>
+          <p:nvPr>
+            <p:ph type="sldNum" sz="quarter" idx="5"/>
+          </p:nvPr>
+        </p:nvSpPr>
+        <p:spPr/>
+        <p:txBody>
+          <a:bodyPr/>
+          <a:lstStyle/>
+          <a:p>
+            <a:pPr rtl="0"/>
+            <a:fld id="{060C6D3C-9EB0-4F2C-9026-3887D1CDB44E}" type="slidenum">
+              <a:rPr lang="pt-BR" noProof="0" smtClean="0"/>
+              <a:t>10</a:t>
+            </a:fld>
+            <a:endParaRPr lang="pt-BR" noProof="0" dirty="0"/>
+          </a:p>
+        </p:txBody>
+      </p:sp>
+    </p:spTree>
+    <p:extLst>
+      <p:ext uri="{BB962C8B-B14F-4D97-AF65-F5344CB8AC3E}">
+        <p14:creationId xmlns:p14="http://schemas.microsoft.com/office/powerpoint/2010/main" val="2040484130"/>
+      </p:ext>
+    </p:extLst>
+  </p:cSld>
+  <p:clrMapOvr>
+    <a:masterClrMapping/>
+  </p:clrMapOvr>
+</p:notes>
+</file>
+
+<file path=ppt/notesSlides/notesSlide11.xml><?xml version="1.0" encoding="utf-8"?>
+<p:notes xmlns:a="http://schemas.openxmlformats.org/drawingml/2006/main" xmlns:r="http://schemas.openxmlformats.org/officeDocument/2006/relationships" xmlns:p="http://schemas.openxmlformats.org/presentationml/2006/main">
+  <p:cSld>
+    <p:spTree>
+      <p:nvGrpSpPr>
+        <p:cNvPr id="1" name=""/>
+        <p:cNvGrpSpPr/>
+        <p:nvPr/>
+      </p:nvGrpSpPr>
+      <p:grpSpPr>
+        <a:xfrm>
+          <a:off x="0" y="0"/>
+          <a:ext cx="0" cy="0"/>
+          <a:chOff x="0" y="0"/>
+          <a:chExt cx="0" cy="0"/>
+        </a:xfrm>
+      </p:grpSpPr>
+      <p:sp>
+        <p:nvSpPr>
+          <p:cNvPr id="2" name="Espaço Reservado para Imagem de Slide 1"/>
+          <p:cNvSpPr>
+            <a:spLocks noGrp="1" noRot="1" noChangeAspect="1"/>
+          </p:cNvSpPr>
+          <p:nvPr>
+            <p:ph type="sldImg"/>
+          </p:nvPr>
+        </p:nvSpPr>
+        <p:spPr/>
+      </p:sp>
+      <p:sp>
+        <p:nvSpPr>
+          <p:cNvPr id="3" name="Espaço Reservado para Anotações 2"/>
+          <p:cNvSpPr>
+            <a:spLocks noGrp="1"/>
+          </p:cNvSpPr>
+          <p:nvPr>
+            <p:ph type="body" idx="1"/>
+          </p:nvPr>
+        </p:nvSpPr>
+        <p:spPr/>
+        <p:txBody>
+          <a:bodyPr/>
+          <a:lstStyle/>
+          <a:p>
+            <a:endParaRPr lang="pt-BR"/>
+          </a:p>
+        </p:txBody>
+      </p:sp>
+      <p:sp>
+        <p:nvSpPr>
+          <p:cNvPr id="4" name="Espaço Reservado para Número de Slide 3"/>
+          <p:cNvSpPr>
+            <a:spLocks noGrp="1"/>
+          </p:cNvSpPr>
+          <p:nvPr>
+            <p:ph type="sldNum" sz="quarter" idx="5"/>
+          </p:nvPr>
+        </p:nvSpPr>
+        <p:spPr/>
+        <p:txBody>
+          <a:bodyPr/>
+          <a:lstStyle/>
+          <a:p>
+            <a:pPr rtl="0"/>
+            <a:fld id="{060C6D3C-9EB0-4F2C-9026-3887D1CDB44E}" type="slidenum">
+              <a:rPr lang="pt-BR" noProof="0" smtClean="0"/>
+              <a:t>11</a:t>
+            </a:fld>
+            <a:endParaRPr lang="pt-BR" noProof="0" dirty="0"/>
+          </a:p>
+        </p:txBody>
+      </p:sp>
+    </p:spTree>
+    <p:extLst>
+      <p:ext uri="{BB962C8B-B14F-4D97-AF65-F5344CB8AC3E}">
+        <p14:creationId xmlns:p14="http://schemas.microsoft.com/office/powerpoint/2010/main" val="664657657"/>
+      </p:ext>
+    </p:extLst>
+  </p:cSld>
+  <p:clrMapOvr>
+    <a:masterClrMapping/>
+  </p:clrMapOvr>
+</p:notes>
+</file>
+
+<file path=ppt/notesSlides/notesSlide12.xml><?xml version="1.0" encoding="utf-8"?>
+<p:notes xmlns:a="http://schemas.openxmlformats.org/drawingml/2006/main" xmlns:r="http://schemas.openxmlformats.org/officeDocument/2006/relationships" xmlns:p="http://schemas.openxmlformats.org/presentationml/2006/main">
+  <p:cSld>
+    <p:spTree>
+      <p:nvGrpSpPr>
+        <p:cNvPr id="1" name=""/>
+        <p:cNvGrpSpPr/>
+        <p:nvPr/>
+      </p:nvGrpSpPr>
+      <p:grpSpPr>
+        <a:xfrm>
+          <a:off x="0" y="0"/>
+          <a:ext cx="0" cy="0"/>
+          <a:chOff x="0" y="0"/>
+          <a:chExt cx="0" cy="0"/>
+        </a:xfrm>
+      </p:grpSpPr>
+      <p:sp>
+        <p:nvSpPr>
+          <p:cNvPr id="2" name="Espaço Reservado para Imagem de Slide 1"/>
+          <p:cNvSpPr>
+            <a:spLocks noGrp="1" noRot="1" noChangeAspect="1"/>
+          </p:cNvSpPr>
+          <p:nvPr>
+            <p:ph type="sldImg"/>
+          </p:nvPr>
+        </p:nvSpPr>
+        <p:spPr/>
+      </p:sp>
+      <p:sp>
+        <p:nvSpPr>
+          <p:cNvPr id="3" name="Espaço Reservado para Anotações 2"/>
+          <p:cNvSpPr>
+            <a:spLocks noGrp="1"/>
+          </p:cNvSpPr>
+          <p:nvPr>
+            <p:ph type="body" idx="1"/>
+          </p:nvPr>
+        </p:nvSpPr>
+        <p:spPr/>
+        <p:txBody>
+          <a:bodyPr/>
+          <a:lstStyle/>
+          <a:p>
+            <a:endParaRPr lang="pt-BR"/>
+          </a:p>
+        </p:txBody>
+      </p:sp>
+      <p:sp>
+        <p:nvSpPr>
+          <p:cNvPr id="4" name="Espaço Reservado para Número de Slide 3"/>
+          <p:cNvSpPr>
+            <a:spLocks noGrp="1"/>
+          </p:cNvSpPr>
+          <p:nvPr>
+            <p:ph type="sldNum" sz="quarter" idx="5"/>
+          </p:nvPr>
+        </p:nvSpPr>
+        <p:spPr/>
+        <p:txBody>
+          <a:bodyPr/>
+          <a:lstStyle/>
+          <a:p>
+            <a:pPr rtl="0"/>
+            <a:fld id="{060C6D3C-9EB0-4F2C-9026-3887D1CDB44E}" type="slidenum">
+              <a:rPr lang="pt-BR" noProof="0" smtClean="0"/>
+              <a:t>12</a:t>
+            </a:fld>
+            <a:endParaRPr lang="pt-BR" noProof="0" dirty="0"/>
+          </a:p>
+        </p:txBody>
+      </p:sp>
+    </p:spTree>
+    <p:extLst>
+      <p:ext uri="{BB962C8B-B14F-4D97-AF65-F5344CB8AC3E}">
+        <p14:creationId xmlns:p14="http://schemas.microsoft.com/office/powerpoint/2010/main" val="3730818135"/>
+      </p:ext>
+    </p:extLst>
+  </p:cSld>
+  <p:clrMapOvr>
+    <a:masterClrMapping/>
+  </p:clrMapOvr>
+</p:notes>
+</file>
+
+<file path=ppt/notesSlides/notesSlide13.xml><?xml version="1.0" encoding="utf-8"?>
+<p:notes xmlns:a="http://schemas.openxmlformats.org/drawingml/2006/main" xmlns:r="http://schemas.openxmlformats.org/officeDocument/2006/relationships" xmlns:p="http://schemas.openxmlformats.org/presentationml/2006/main">
+  <p:cSld>
+    <p:spTree>
+      <p:nvGrpSpPr>
+        <p:cNvPr id="1" name=""/>
+        <p:cNvGrpSpPr/>
+        <p:nvPr/>
+      </p:nvGrpSpPr>
+      <p:grpSpPr>
+        <a:xfrm>
+          <a:off x="0" y="0"/>
+          <a:ext cx="0" cy="0"/>
+          <a:chOff x="0" y="0"/>
+          <a:chExt cx="0" cy="0"/>
+        </a:xfrm>
+      </p:grpSpPr>
+      <p:sp>
+        <p:nvSpPr>
+          <p:cNvPr id="2" name="Espaço Reservado para Imagem de Slide 1"/>
+          <p:cNvSpPr>
+            <a:spLocks noGrp="1" noRot="1" noChangeAspect="1"/>
+          </p:cNvSpPr>
+          <p:nvPr>
+            <p:ph type="sldImg"/>
+          </p:nvPr>
+        </p:nvSpPr>
+        <p:spPr/>
+      </p:sp>
+      <p:sp>
+        <p:nvSpPr>
+          <p:cNvPr id="3" name="Espaço Reservado para Anotações 2"/>
+          <p:cNvSpPr>
+            <a:spLocks noGrp="1"/>
+          </p:cNvSpPr>
+          <p:nvPr>
+            <p:ph type="body" idx="1"/>
+          </p:nvPr>
+        </p:nvSpPr>
+        <p:spPr/>
+        <p:txBody>
+          <a:bodyPr/>
+          <a:lstStyle/>
+          <a:p>
+            <a:endParaRPr lang="pt-BR"/>
+          </a:p>
+        </p:txBody>
+      </p:sp>
+      <p:sp>
+        <p:nvSpPr>
+          <p:cNvPr id="4" name="Espaço Reservado para Número de Slide 3"/>
+          <p:cNvSpPr>
+            <a:spLocks noGrp="1"/>
+          </p:cNvSpPr>
+          <p:nvPr>
+            <p:ph type="sldNum" sz="quarter" idx="5"/>
+          </p:nvPr>
+        </p:nvSpPr>
+        <p:spPr/>
+        <p:txBody>
+          <a:bodyPr/>
+          <a:lstStyle/>
+          <a:p>
+            <a:pPr rtl="0"/>
+            <a:fld id="{060C6D3C-9EB0-4F2C-9026-3887D1CDB44E}" type="slidenum">
+              <a:rPr lang="pt-BR" noProof="0" smtClean="0"/>
+              <a:t>13</a:t>
+            </a:fld>
+            <a:endParaRPr lang="pt-BR" noProof="0" dirty="0"/>
+          </a:p>
+        </p:txBody>
+      </p:sp>
+    </p:spTree>
+    <p:extLst>
+      <p:ext uri="{BB962C8B-B14F-4D97-AF65-F5344CB8AC3E}">
+        <p14:creationId xmlns:p14="http://schemas.microsoft.com/office/powerpoint/2010/main" val="3395820526"/>
       </p:ext>
     </p:extLst>
   </p:cSld>
@@ -13462,217 +13603,139 @@
           <a:bodyPr/>
           <a:lstStyle/>
           <a:p>
+            <a:br>
+              <a:rPr lang="pt-BR" dirty="0"/>
+            </a:br>
             <a:r>
-              <a:rPr lang="pt-BR" dirty="0" err="1"/>
-              <a:t>ChatPDF</a:t>
+              <a:rPr lang="pt-BR" b="1" dirty="0"/>
+              <a:t>Antigo modelo: </a:t>
             </a:r>
+            <a:r>
+              <a:rPr lang="pt-BR" dirty="0"/>
+              <a:t>O antigo modelo de tratamento psiquiátrico no Brasil era </a:t>
+            </a:r>
+            <a:r>
+              <a:rPr lang="pt-BR" b="1" dirty="0"/>
+              <a:t>baseado na internação em hospitais psiquiátricos</a:t>
+            </a:r>
+            <a:r>
+              <a:rPr lang="pt-BR" dirty="0"/>
+              <a:t>, também conhecidos como manicômios. Essas instituições eram </a:t>
+            </a:r>
+            <a:r>
+              <a:rPr lang="pt-BR" b="1" dirty="0"/>
+              <a:t>muitas vezes isoladas da sociedade </a:t>
+            </a:r>
+            <a:r>
+              <a:rPr lang="pt-BR" dirty="0"/>
+              <a:t>e havia muitos relatos de </a:t>
+            </a:r>
+            <a:r>
+              <a:rPr lang="pt-BR" b="1" dirty="0"/>
+              <a:t>violações dos direitos humanos e maus-tratos aos pacientes</a:t>
+            </a:r>
+            <a:r>
+              <a:rPr lang="pt-BR" dirty="0"/>
+              <a:t>.</a:t>
+            </a:r>
+          </a:p>
+          <a:p>
             <a:endParaRPr lang="pt-BR" dirty="0"/>
           </a:p>
           <a:p>
             <a:r>
-              <a:rPr lang="pt-BR" b="0" i="0" dirty="0">
-                <a:effectLst/>
-                <a:latin typeface="-apple-system"/>
-              </a:rPr>
-              <a:t>Os CAPS são lugares onde as pessoas podem ir para cuidar da saúde mental. Antes, esses lugares eram mais para pessoas que tinham problemas mais graves, como se fossem hospitais. Mas com o tempo, os CAPS começaram a receber outras pessoas que também precisavam de ajuda para cuidar da saúde mental. Essas pessoas podem ter problemas diferentes, como tristeza, medo, problemas de relacionamento, problemas com drogas, entre outros. É como se fosse uma caixinha de ferramentas que tem várias ferramentas diferentes para ajudar a consertar coisas diferentes. Mas mesmo com os CAPS, ainda existem lugares onde as pessoas não conseguem receber ajuda para cuidar da saúde mental. É como se fosse um buraco que precisa ser tapado para que as pessoas possam receber ajuda em todos os lugares.</a:t>
+              <a:rPr lang="pt-BR" b="1" dirty="0"/>
+              <a:t>Reforma Psiquiátrica: </a:t>
+            </a:r>
+            <a:r>
+              <a:rPr lang="pt-BR" dirty="0"/>
+              <a:t>A Reforma Psiquiátrica no Brasil </a:t>
+            </a:r>
+            <a:r>
+              <a:rPr lang="pt-BR" b="1" dirty="0"/>
+              <a:t>começou no final da década de 1970 </a:t>
+            </a:r>
+            <a:r>
+              <a:rPr lang="pt-BR" dirty="0"/>
+              <a:t>e teve como objetivo mudar o </a:t>
+            </a:r>
+            <a:r>
+              <a:rPr lang="pt-BR" b="1" dirty="0"/>
+              <a:t>sistema de tratamento clínico da doença mental</a:t>
+            </a:r>
+            <a:r>
+              <a:rPr lang="pt-BR" dirty="0"/>
+              <a:t>, </a:t>
+            </a:r>
+            <a:r>
+              <a:rPr lang="pt-BR" b="1" dirty="0"/>
+              <a:t>eliminando gradualmente a internação </a:t>
+            </a:r>
+            <a:r>
+              <a:rPr lang="pt-BR" dirty="0"/>
+              <a:t>como forma de </a:t>
+            </a:r>
+            <a:r>
+              <a:rPr lang="pt-BR" b="1" dirty="0"/>
+              <a:t>exclusão social. A proposta da reforma psiquiátrica é a desativação gradual dos manicômios</a:t>
+            </a:r>
+            <a:r>
+              <a:rPr lang="pt-BR" dirty="0"/>
+              <a:t>, para que aqueles que sofrem de transtornos mentais possam </a:t>
+            </a:r>
+            <a:r>
+              <a:rPr lang="pt-BR" b="1" dirty="0"/>
+              <a:t>conviver livremente na sociedade</a:t>
+            </a:r>
+            <a:r>
+              <a:rPr lang="pt-BR" dirty="0"/>
+              <a:t>.</a:t>
             </a:r>
           </a:p>
           <a:p>
             <a:r>
-              <a:rPr lang="pt-BR" b="0" i="0" dirty="0" err="1">
-                <a:effectLst/>
-                <a:latin typeface="-apple-system"/>
-              </a:rPr>
-              <a:t>Bard</a:t>
+              <a:rPr lang="pt-BR" b="1" dirty="0"/>
+              <a:t>Atenção Psicossocial: O novo modelo </a:t>
             </a:r>
-            <a:endParaRPr lang="pt-BR" b="0" i="0" dirty="0">
-              <a:effectLst/>
-              <a:latin typeface="-apple-system"/>
-            </a:endParaRPr>
-          </a:p>
-          <a:p>
-            <a:pPr rtl="0"/>
             <a:r>
-              <a:rPr lang="pt-BR" b="0" dirty="0">
-                <a:effectLst/>
-                <a:latin typeface="Google Sans"/>
-              </a:rPr>
-              <a:t>Os CAPS (Centros de Atenção Psicossocial) foram criados no Brasil em 1987, como parte da Reforma Psiquiátrica, que buscava humanizar o atendimento à saúde mental e acabar com os manicômios. No início, os CAPS acolhiam apenas pessoas com transtornos psicóticos, como esquizofrenia e transtorno bipolar. No entanto, com o passar dos anos, os CAPS passaram a acolher também pessoas com outros transtornos mentais, como depressão, ansiedade, risco de suicídio, dependência química, estresse pós-traumático, problemas no desenvolvimento, problemas relacionais e de luto.</a:t>
+              <a:rPr lang="pt-BR" dirty="0"/>
+              <a:t>de tratamento proposto pela Reforma Psiquiátrica é baseado na Atenção Psicossocial, que visa </a:t>
+            </a:r>
+            <a:r>
+              <a:rPr lang="pt-BR" b="1" dirty="0"/>
+              <a:t>à integração da pessoa que sofre de transtornos mentais à comunidade</a:t>
+            </a:r>
+            <a:r>
+              <a:rPr lang="pt-BR" dirty="0"/>
+              <a:t>. </a:t>
+            </a:r>
+            <a:r>
+              <a:rPr lang="pt-BR" b="1" dirty="0"/>
+              <a:t>A Rede de Atenção Psicossocial (RAPS) </a:t>
+            </a:r>
+            <a:r>
+              <a:rPr lang="pt-BR" dirty="0"/>
+              <a:t>é um conjunto de diferentes serviços disponíveis nas cidades e comunidades, que </a:t>
+            </a:r>
+            <a:r>
+              <a:rPr lang="pt-BR" b="1" dirty="0"/>
+              <a:t>articulados </a:t>
+            </a:r>
+            <a:r>
+              <a:rPr lang="pt-BR" dirty="0"/>
+              <a:t>formam uma rede, devendo ser capaz de cuidar das pessoas com transtornos mentais e com problemas em decorrência do uso de drogas, bem como a seus familiares, nas suas diferentes necessidades. </a:t>
+            </a:r>
+            <a:r>
+              <a:rPr lang="pt-BR" b="1" dirty="0"/>
+              <a:t>Os principais atendimentos em saúde mental são realizados nos Centros de Atenção Psicossocial (CAPS) </a:t>
+            </a:r>
+            <a:r>
+              <a:rPr lang="pt-BR" dirty="0"/>
+              <a:t>que existem no país, onde o usuário recebe atendimento próximo da família com assistência multiprofissional e cuidado terapêutico conforme o quadro de saúde de cada paciente.</a:t>
             </a:r>
           </a:p>
           <a:p>
-            <a:pPr rtl="0"/>
-            <a:r>
-              <a:rPr lang="pt-BR" b="0" dirty="0">
-                <a:effectLst/>
-                <a:latin typeface="Google Sans"/>
-              </a:rPr>
-              <a:t>Os CAPS oferecem uma série de serviços, como atendimento individual e em grupo, oficinas terapêuticas, atividades de lazer e de convivência social. Os CAPS também trabalham para promover a inclusão social das pessoas com transtornos mentais, ajudando-as a voltar a estudar, trabalhar e participar da comunidade.</a:t>
-            </a:r>
-          </a:p>
-          <a:p>
-            <a:pPr rtl="0"/>
-            <a:r>
-              <a:rPr lang="pt-BR" b="0" dirty="0">
-                <a:effectLst/>
-                <a:latin typeface="Google Sans"/>
-              </a:rPr>
-              <a:t>Apesar dos avanços alcançados pelos CAPS, ainda existem muitos desafios a serem superados. Um dos principais desafios é a falta de recursos financeiros para garantir a ampliação e a qualificação da rede de atenção psicossocial no Brasil. Outro desafio é a falta de profissionais qualificados para trabalhar nos CAPS.</a:t>
-            </a:r>
-          </a:p>
-          <a:p>
-            <a:pPr rtl="0"/>
-            <a:r>
-              <a:rPr lang="pt-BR" b="0" dirty="0">
-                <a:effectLst/>
-                <a:latin typeface="Google Sans"/>
-              </a:rPr>
-              <a:t>Apesar dos desafios, os CAPS têm sido uma importante ferramenta para a melhoria da atenção à saúde mental no Brasil. Os CAPS têm ajudado a reduzir o estigma e o preconceito contra as pessoas com transtornos mentais, e têm promovido a recuperação e a reabilitação das pessoas com transtornos mentais.</a:t>
-            </a:r>
-          </a:p>
-          <a:p>
-            <a:pPr rtl="0"/>
-            <a:r>
-              <a:rPr lang="pt-BR" b="0" dirty="0">
-                <a:effectLst/>
-                <a:latin typeface="Google Sans"/>
-              </a:rPr>
-              <a:t>Aqui estão algumas analogias e metáforas que podem ser usadas para explicar os CAPS para crianças de 5 anos:</a:t>
-            </a:r>
-          </a:p>
-          <a:p>
-            <a:pPr rtl="0">
-              <a:buFont typeface="Arial" panose="020B0604020202020204" pitchFamily="34" charset="0"/>
-              <a:buChar char="•"/>
-            </a:pPr>
-            <a:r>
-              <a:rPr lang="pt-BR" b="0" dirty="0">
-                <a:effectLst/>
-                <a:latin typeface="Google Sans"/>
-              </a:rPr>
-              <a:t>Os CAPS são como uma escola para as pessoas com transtornos mentais. Na escola, as pessoas aprendem sobre suas condições e como lidar com elas. Elas também aprendem habilidades sociais e como se relacionar com os outros.</a:t>
-            </a:r>
-          </a:p>
-          <a:p>
-            <a:pPr rtl="0">
-              <a:buFont typeface="Arial" panose="020B0604020202020204" pitchFamily="34" charset="0"/>
-              <a:buChar char="•"/>
-            </a:pPr>
-            <a:r>
-              <a:rPr lang="pt-BR" b="0" dirty="0">
-                <a:effectLst/>
-                <a:latin typeface="Google Sans"/>
-              </a:rPr>
-              <a:t>Os CAPS são como uma comunidade para as pessoas com transtornos mentais. Na comunidade, as pessoas podem encontrar apoio e compreensão. Elas também podem participar de atividades e eventos que ajudam a melhorar sua qualidade de vida.</a:t>
-            </a:r>
-          </a:p>
-          <a:p>
-            <a:pPr rtl="0">
-              <a:buFont typeface="Arial" panose="020B0604020202020204" pitchFamily="34" charset="0"/>
-              <a:buChar char="•"/>
-            </a:pPr>
-            <a:r>
-              <a:rPr lang="pt-BR" b="0" dirty="0">
-                <a:effectLst/>
-                <a:latin typeface="Google Sans"/>
-              </a:rPr>
-              <a:t>Os CAPS são como uma esperança para as pessoas com transtornos mentais. Os CAPS oferecem um caminho para a recuperação e a reabilitação. Eles ajudam as pessoas a viver uma vida plena e significativa.</a:t>
-            </a:r>
-          </a:p>
-          <a:p>
-            <a:pPr algn="l"/>
-            <a:r>
-              <a:rPr lang="pt-BR" b="0" i="0" dirty="0">
-                <a:effectLst/>
-                <a:latin typeface="Google Sans"/>
-              </a:rPr>
-              <a:t>ChatGPT</a:t>
-            </a:r>
-          </a:p>
-          <a:p>
-            <a:pPr algn="l"/>
-            <a:r>
-              <a:rPr lang="pt-BR" b="0" i="0" dirty="0">
-                <a:solidFill>
-                  <a:srgbClr val="374151"/>
-                </a:solidFill>
-                <a:effectLst/>
-                <a:latin typeface="Söhne"/>
-              </a:rPr>
-              <a:t>Sabe, existem lugares especiais chamados CAPS, que são como casinhas de cuidado para pessoas que estão tristes ou com dificuldades na cabeça. Antigamente, esses lugares acolhiam apenas pessoas com problemas bem complicados na cabeça, como se fossem quebra-cabeças difíceis de resolver.</a:t>
-            </a:r>
-          </a:p>
-          <a:p>
-            <a:pPr algn="l"/>
-            <a:r>
-              <a:rPr lang="pt-BR" b="0" i="0" dirty="0">
-                <a:solidFill>
-                  <a:srgbClr val="374151"/>
-                </a:solidFill>
-                <a:effectLst/>
-                <a:latin typeface="Söhne"/>
-              </a:rPr>
-              <a:t>Mas com o passar dos anos, essas casinhas ficaram ainda mais legais e acolhedoras. Elas começaram a receber pessoas com outros tipos de problemas na cabeça, como se fossem diferentes brinquedos precisando de conserto. Por exemplo, pessoas que estavam muito tristes, outras muito ansiosas, algumas com dificuldades para se relacionar e até mesmo aquelas que estavam passando por momentos muito difíceis.</a:t>
-            </a:r>
-          </a:p>
-          <a:p>
-            <a:pPr algn="l"/>
-            <a:r>
-              <a:rPr lang="pt-BR" b="0" i="0" dirty="0">
-                <a:solidFill>
-                  <a:srgbClr val="374151"/>
-                </a:solidFill>
-                <a:effectLst/>
-                <a:latin typeface="Söhne"/>
-              </a:rPr>
-              <a:t>Além disso, as casinhas perceberam que algumas pessoas precisavam de ajuda também para problemas com as substâncias que elas usam, como quando a gente precisa de ajuda para parar de comer doces demais. Eles também ajudaram pessoas que tinham passado por coisas muito assustadoras e precisavam de cuidado especial, como quando a gente toma um susto e precisa de um abraço apertado para se sentir melhor.</a:t>
-            </a:r>
-          </a:p>
-          <a:p>
-            <a:pPr algn="l"/>
-            <a:r>
-              <a:rPr lang="pt-BR" b="0" i="0" dirty="0">
-                <a:solidFill>
-                  <a:srgbClr val="374151"/>
-                </a:solidFill>
-                <a:effectLst/>
-                <a:latin typeface="Söhne"/>
-              </a:rPr>
-              <a:t>Essas casinhas fizeram um trabalho tão bom que até resolveram alguns problemas que existiam em outros lugares, como em hospitais gerais. Ainda havia algumas partes que precisavam de cuidado extra, como se fossem buracos em uma estrada que precisam ser consertados para ninguém tropeçar.</a:t>
-            </a:r>
-          </a:p>
-          <a:p>
-            <a:pPr algn="l"/>
-            <a:r>
-              <a:rPr lang="pt-BR" b="0" i="0" dirty="0">
-                <a:solidFill>
-                  <a:srgbClr val="374151"/>
-                </a:solidFill>
-                <a:effectLst/>
-                <a:latin typeface="Söhne"/>
-              </a:rPr>
-              <a:t>Então, essas casinhas chamadas CAPS, ficaram cheias de brinquedos diferentes para consertar, como um super time de consertadores de quebra-cabeças e brinquedos. Eles ajudam as pessoas a se sentirem melhor, cuidando delas como um grupo de amigos que sempre está junto para dar suporte.</a:t>
-            </a:r>
-          </a:p>
-          <a:p>
-            <a:pPr algn="l"/>
-            <a:r>
-              <a:rPr lang="pt-BR" b="0" i="0" dirty="0">
-                <a:solidFill>
-                  <a:srgbClr val="374151"/>
-                </a:solidFill>
-                <a:effectLst/>
-                <a:latin typeface="Söhne"/>
-              </a:rPr>
-              <a:t>Assim, os CAPS se tornaram lugares especiais, onde pessoas com vários tipos de problemas na cabeça podem encontrar ajuda e apoio, como um verdadeiro abraço emocional que faz tudo ficar melhor.</a:t>
-            </a:r>
-          </a:p>
-          <a:p>
-            <a:pPr algn="l"/>
-            <a:endParaRPr lang="pt-BR" b="0" i="0" dirty="0">
-              <a:effectLst/>
-              <a:latin typeface="Google Sans"/>
-            </a:endParaRPr>
+            <a:endParaRPr lang="pt-BR" dirty="0"/>
           </a:p>
         </p:txBody>
       </p:sp>
@@ -13694,7 +13757,7 @@
             <a:pPr rtl="0"/>
             <a:fld id="{060C6D3C-9EB0-4F2C-9026-3887D1CDB44E}" type="slidenum">
               <a:rPr lang="pt-BR" noProof="0" smtClean="0"/>
-              <a:t>4</a:t>
+              <a:t>2</a:t>
             </a:fld>
             <a:endParaRPr lang="pt-BR" noProof="0" dirty="0"/>
           </a:p>
@@ -13703,7 +13766,7 @@
     </p:spTree>
     <p:extLst>
       <p:ext uri="{BB962C8B-B14F-4D97-AF65-F5344CB8AC3E}">
-        <p14:creationId xmlns:p14="http://schemas.microsoft.com/office/powerpoint/2010/main" val="2529461406"/>
+        <p14:creationId xmlns:p14="http://schemas.microsoft.com/office/powerpoint/2010/main" val="3293832474"/>
       </p:ext>
     </p:extLst>
   </p:cSld>
@@ -13758,271 +13821,343 @@
           <a:lstStyle/>
           <a:p>
             <a:r>
-              <a:rPr lang="pt-BR" dirty="0" err="1"/>
-              <a:t>ChatPDF</a:t>
+              <a:rPr lang="pt-BR" sz="1800" dirty="0">
+                <a:solidFill>
+                  <a:srgbClr val="000000"/>
+                </a:solidFill>
+                <a:latin typeface="Arial" panose="020B0604020202020204" pitchFamily="34" charset="0"/>
+              </a:rPr>
+              <a:t>Os CAPS são lugares onde as pessoas podem ir para cuidar da saúde mental. Antes, esses lugares eram mais para pessoas que tinham problemas mais graves, como se fossem hospitais. Mas com o tempo, os CAPS começaram a receber outras pessoas que também precisavam de ajuda para cuidar da saúde mental. Essas pessoas podem ter problemas diferentes, como tristeza, medo, problemas de relacionamento, problemas com drogas, entre outros. É como se fosse uma caixinha de ferramentas que tem várias ferramentas diferentes para ajudar a consertar coisas diferentes. Mas mesmo com os CAPS, ainda existem lugares onde as pessoas não conseguem receber ajuda para cuidar da saúde mental. É como se fosse um buraco que precisa ser tapado para que as pessoas possam receber ajuda em todos os lugares.</a:t>
             </a:r>
-            <a:endParaRPr lang="pt-BR" dirty="0"/>
-          </a:p>
-          <a:p>
-            <a:r>
-              <a:rPr lang="pt-BR" b="0" i="0" dirty="0">
-                <a:effectLst/>
-                <a:latin typeface="-apple-system"/>
-              </a:rPr>
-              <a:t>Em 2013, foi criada uma rede de ajuda para as pessoas que precisam cuidar da saúde mental. Essa rede é como uma teia de aranha que ajuda a pegar coisas pequenas que estão voando no ar. Essa rede é chamada de RAPS e tem como objetivo ajudar as pessoas que precisam cuidar da saúde mental. Ela é formada por vários lugares diferentes, como os CAPS, que são como casas onde as pessoas podem ir para cuidar da saúde mental, e outros lugares que também ajudam as pessoas. Esses lugares são como portas que se abrem para as pessoas que precisam de ajuda. Eles têm profissionais que sabem como ajudar as pessoas que estão passando por problemas na saúde mental. É como se fossem super-heróis que sabem como ajudar as pessoas que precisam de ajuda. Esses profissionais também ajudam as pessoas a encontrar informações sobre como cuidar da saúde mental. É como se fossem mapas que mostram o caminho para as pessoas que estão perdidas.</a:t>
-            </a:r>
-          </a:p>
-          <a:p>
-            <a:r>
-              <a:rPr lang="pt-BR" b="0" i="0" dirty="0" err="1">
-                <a:effectLst/>
-                <a:latin typeface="-apple-system"/>
-              </a:rPr>
-              <a:t>Bard</a:t>
-            </a:r>
-            <a:endParaRPr lang="pt-BR" b="0" i="0" dirty="0">
+            <a:endParaRPr lang="pt-BR" b="0" dirty="0">
               <a:effectLst/>
-              <a:latin typeface="-apple-system"/>
             </a:endParaRPr>
           </a:p>
           <a:p>
-            <a:pPr algn="l"/>
+            <a:br>
+              <a:rPr lang="pt-BR" dirty="0"/>
+            </a:br>
+            <a:endParaRPr lang="pt-BR" b="0" i="0" dirty="0">
+              <a:effectLst/>
+              <a:latin typeface="Google Sans"/>
+            </a:endParaRPr>
+          </a:p>
+        </p:txBody>
+      </p:sp>
+      <p:sp>
+        <p:nvSpPr>
+          <p:cNvPr id="4" name="Espaço Reservado para Número de Slide 3"/>
+          <p:cNvSpPr>
+            <a:spLocks noGrp="1"/>
+          </p:cNvSpPr>
+          <p:nvPr>
+            <p:ph type="sldNum" sz="quarter" idx="5"/>
+          </p:nvPr>
+        </p:nvSpPr>
+        <p:spPr/>
+        <p:txBody>
+          <a:bodyPr/>
+          <a:lstStyle/>
+          <a:p>
+            <a:pPr rtl="0"/>
+            <a:fld id="{060C6D3C-9EB0-4F2C-9026-3887D1CDB44E}" type="slidenum">
+              <a:rPr lang="pt-BR" noProof="0" smtClean="0"/>
+              <a:t>3</a:t>
+            </a:fld>
+            <a:endParaRPr lang="pt-BR" noProof="0" dirty="0"/>
+          </a:p>
+        </p:txBody>
+      </p:sp>
+    </p:spTree>
+    <p:extLst>
+      <p:ext uri="{BB962C8B-B14F-4D97-AF65-F5344CB8AC3E}">
+        <p14:creationId xmlns:p14="http://schemas.microsoft.com/office/powerpoint/2010/main" val="2529461406"/>
+      </p:ext>
+    </p:extLst>
+  </p:cSld>
+  <p:clrMapOvr>
+    <a:masterClrMapping/>
+  </p:clrMapOvr>
+</p:notes>
+</file>
+
+<file path=ppt/notesSlides/notesSlide4.xml><?xml version="1.0" encoding="utf-8"?>
+<p:notes xmlns:a="http://schemas.openxmlformats.org/drawingml/2006/main" xmlns:r="http://schemas.openxmlformats.org/officeDocument/2006/relationships" xmlns:p="http://schemas.openxmlformats.org/presentationml/2006/main">
+  <p:cSld>
+    <p:spTree>
+      <p:nvGrpSpPr>
+        <p:cNvPr id="1" name=""/>
+        <p:cNvGrpSpPr/>
+        <p:nvPr/>
+      </p:nvGrpSpPr>
+      <p:grpSpPr>
+        <a:xfrm>
+          <a:off x="0" y="0"/>
+          <a:ext cx="0" cy="0"/>
+          <a:chOff x="0" y="0"/>
+          <a:chExt cx="0" cy="0"/>
+        </a:xfrm>
+      </p:grpSpPr>
+      <p:sp>
+        <p:nvSpPr>
+          <p:cNvPr id="2" name="Espaço Reservado para Imagem de Slide 1"/>
+          <p:cNvSpPr>
+            <a:spLocks noGrp="1" noRot="1" noChangeAspect="1"/>
+          </p:cNvSpPr>
+          <p:nvPr>
+            <p:ph type="sldImg"/>
+          </p:nvPr>
+        </p:nvSpPr>
+        <p:spPr/>
+      </p:sp>
+      <p:sp>
+        <p:nvSpPr>
+          <p:cNvPr id="3" name="Espaço Reservado para Anotações 2"/>
+          <p:cNvSpPr>
+            <a:spLocks noGrp="1"/>
+          </p:cNvSpPr>
+          <p:nvPr>
+            <p:ph type="body" idx="1"/>
+          </p:nvPr>
+        </p:nvSpPr>
+        <p:spPr/>
+        <p:txBody>
+          <a:bodyPr/>
+          <a:lstStyle/>
+          <a:p>
+            <a:endParaRPr lang="pt-BR" b="0" i="0" dirty="0">
+              <a:solidFill>
+                <a:srgbClr val="374151"/>
+              </a:solidFill>
+              <a:effectLst/>
+              <a:latin typeface="Söhne"/>
+            </a:endParaRPr>
+          </a:p>
+        </p:txBody>
+      </p:sp>
+      <p:sp>
+        <p:nvSpPr>
+          <p:cNvPr id="4" name="Espaço Reservado para Número de Slide 3"/>
+          <p:cNvSpPr>
+            <a:spLocks noGrp="1"/>
+          </p:cNvSpPr>
+          <p:nvPr>
+            <p:ph type="sldNum" sz="quarter" idx="5"/>
+          </p:nvPr>
+        </p:nvSpPr>
+        <p:spPr/>
+        <p:txBody>
+          <a:bodyPr/>
+          <a:lstStyle/>
+          <a:p>
+            <a:pPr rtl="0"/>
+            <a:fld id="{060C6D3C-9EB0-4F2C-9026-3887D1CDB44E}" type="slidenum">
+              <a:rPr lang="pt-BR" noProof="0" smtClean="0"/>
+              <a:t>4</a:t>
+            </a:fld>
+            <a:endParaRPr lang="pt-BR" noProof="0" dirty="0"/>
+          </a:p>
+        </p:txBody>
+      </p:sp>
+    </p:spTree>
+    <p:extLst>
+      <p:ext uri="{BB962C8B-B14F-4D97-AF65-F5344CB8AC3E}">
+        <p14:creationId xmlns:p14="http://schemas.microsoft.com/office/powerpoint/2010/main" val="4097837401"/>
+      </p:ext>
+    </p:extLst>
+  </p:cSld>
+  <p:clrMapOvr>
+    <a:masterClrMapping/>
+  </p:clrMapOvr>
+</p:notes>
+</file>
+
+<file path=ppt/notesSlides/notesSlide5.xml><?xml version="1.0" encoding="utf-8"?>
+<p:notes xmlns:a="http://schemas.openxmlformats.org/drawingml/2006/main" xmlns:r="http://schemas.openxmlformats.org/officeDocument/2006/relationships" xmlns:p="http://schemas.openxmlformats.org/presentationml/2006/main">
+  <p:cSld>
+    <p:spTree>
+      <p:nvGrpSpPr>
+        <p:cNvPr id="1" name=""/>
+        <p:cNvGrpSpPr/>
+        <p:nvPr/>
+      </p:nvGrpSpPr>
+      <p:grpSpPr>
+        <a:xfrm>
+          <a:off x="0" y="0"/>
+          <a:ext cx="0" cy="0"/>
+          <a:chOff x="0" y="0"/>
+          <a:chExt cx="0" cy="0"/>
+        </a:xfrm>
+      </p:grpSpPr>
+      <p:sp>
+        <p:nvSpPr>
+          <p:cNvPr id="2" name="Espaço Reservado para Imagem de Slide 1"/>
+          <p:cNvSpPr>
+            <a:spLocks noGrp="1" noRot="1" noChangeAspect="1"/>
+          </p:cNvSpPr>
+          <p:nvPr>
+            <p:ph type="sldImg"/>
+          </p:nvPr>
+        </p:nvSpPr>
+        <p:spPr/>
+      </p:sp>
+      <p:sp>
+        <p:nvSpPr>
+          <p:cNvPr id="3" name="Espaço Reservado para Anotações 2"/>
+          <p:cNvSpPr>
+            <a:spLocks noGrp="1"/>
+          </p:cNvSpPr>
+          <p:nvPr>
+            <p:ph type="body" idx="1"/>
+          </p:nvPr>
+        </p:nvSpPr>
+        <p:spPr/>
+        <p:txBody>
+          <a:bodyPr/>
+          <a:lstStyle/>
+          <a:p>
+            <a:pPr algn="just"/>
             <a:r>
-              <a:rPr lang="pt-BR" b="0" i="0" dirty="0">
+              <a:rPr lang="pt-BR" sz="1800" dirty="0">
                 <a:solidFill>
-                  <a:srgbClr val="1F1F1F"/>
+                  <a:srgbClr val="000000"/>
                 </a:solidFill>
-                <a:effectLst/>
-                <a:latin typeface="Google Sans"/>
+                <a:latin typeface="Arial" panose="020B0604020202020204" pitchFamily="34" charset="0"/>
               </a:rPr>
-              <a:t>A RAPS (Rede de Atenção Psicossocial) é uma rede de serviços de saúde mental que foi criada no Brasil em 2013. A RAPS tem como objetivo garantir a atenção integral às pessoas com transtornos mentais, em todas as fases da vida, desde a infância até a velhice.</a:t>
+              <a:t>A Rede de Atenção Psicossocial (RAPS) pode ser comparada a uma grande equipe de construção, trabalhando juntos para construir uma casa forte e segura para as pessoas com problemas de saúde mental, uso de álcool e outras drogas.</a:t>
             </a:r>
+            <a:endParaRPr lang="pt-BR" b="0" dirty="0">
+              <a:effectLst/>
+            </a:endParaRPr>
           </a:p>
           <a:p>
-            <a:pPr algn="l"/>
+            <a:pPr algn="just"/>
             <a:r>
-              <a:rPr lang="pt-BR" b="0" i="0" dirty="0">
+              <a:rPr lang="pt-BR" sz="1800" dirty="0">
                 <a:solidFill>
-                  <a:srgbClr val="1F1F1F"/>
+                  <a:srgbClr val="000000"/>
                 </a:solidFill>
-                <a:effectLst/>
-                <a:latin typeface="Google Sans"/>
+                <a:latin typeface="Arial" panose="020B0604020202020204" pitchFamily="34" charset="0"/>
               </a:rPr>
-              <a:t>A RAPS é composta por diferentes níveis de atenção:</a:t>
+              <a:t>Um dos membros dessa equipe é a APS (ESF/</a:t>
             </a:r>
+            <a:r>
+              <a:rPr lang="pt-BR" sz="1800" dirty="0" err="1">
+                <a:solidFill>
+                  <a:srgbClr val="000000"/>
+                </a:solidFill>
+                <a:latin typeface="Arial" panose="020B0604020202020204" pitchFamily="34" charset="0"/>
+              </a:rPr>
+              <a:t>Emulti</a:t>
+            </a:r>
+            <a:r>
+              <a:rPr lang="pt-BR" sz="1800" dirty="0">
+                <a:solidFill>
+                  <a:srgbClr val="000000"/>
+                </a:solidFill>
+                <a:latin typeface="Arial" panose="020B0604020202020204" pitchFamily="34" charset="0"/>
+              </a:rPr>
+              <a:t>/ESB), que é como o pedreiro, colocando os alicerces da casa e garantindo que ela seja forte e estável. A APS é a Atenção Primária à Saúde, que inclui a Estratégia Saúde da Família (ESF), a Equipe Multiprofissional (</a:t>
+            </a:r>
+            <a:r>
+              <a:rPr lang="pt-BR" sz="1800" dirty="0" err="1">
+                <a:solidFill>
+                  <a:srgbClr val="000000"/>
+                </a:solidFill>
+                <a:latin typeface="Arial" panose="020B0604020202020204" pitchFamily="34" charset="0"/>
+              </a:rPr>
+              <a:t>Emulti</a:t>
+            </a:r>
+            <a:r>
+              <a:rPr lang="pt-BR" sz="1800" dirty="0">
+                <a:solidFill>
+                  <a:srgbClr val="000000"/>
+                </a:solidFill>
+                <a:latin typeface="Arial" panose="020B0604020202020204" pitchFamily="34" charset="0"/>
+              </a:rPr>
+              <a:t>) e a Equipe de Saúde Bucal (ESB).</a:t>
+            </a:r>
+            <a:endParaRPr lang="pt-BR" b="0" dirty="0">
+              <a:effectLst/>
+            </a:endParaRPr>
           </a:p>
           <a:p>
-            <a:pPr algn="l">
-              <a:buFont typeface="Arial" panose="020B0604020202020204" pitchFamily="34" charset="0"/>
-              <a:buChar char="•"/>
-            </a:pPr>
+            <a:pPr algn="just"/>
             <a:r>
-              <a:rPr lang="pt-BR" b="0" i="0" dirty="0">
+              <a:rPr lang="pt-BR" sz="1800" dirty="0">
                 <a:solidFill>
-                  <a:srgbClr val="1F1F1F"/>
+                  <a:srgbClr val="000000"/>
                 </a:solidFill>
-                <a:effectLst/>
-                <a:latin typeface="Google Sans"/>
+                <a:latin typeface="Arial" panose="020B0604020202020204" pitchFamily="34" charset="0"/>
               </a:rPr>
-              <a:t>Atenção primária: é a atenção básica de saúde, que é oferecida nas Unidades Básicas de Saúde (UBS). A atenção primária é responsável por identificar e encaminhar as pessoas com transtornos mentais para os serviços especializados.</a:t>
+              <a:t>Outro membro importante da equipe RAPS é a Atenção Especializada, que é como o engenheiro, planejando e supervisionando a construção para garantir que tudo esteja de acordo com os padrões. Dentro da Atenção Especializada, temos os CAPS, que são os Centros de Atenção Psicossocial. Eles são divididos em três tipos: CAPS geral, CAPS AD (para álcool e drogas) e </a:t>
             </a:r>
+            <a:r>
+              <a:rPr lang="pt-BR" sz="1800" dirty="0" err="1">
+                <a:solidFill>
+                  <a:srgbClr val="000000"/>
+                </a:solidFill>
+                <a:latin typeface="Arial" panose="020B0604020202020204" pitchFamily="34" charset="0"/>
+              </a:rPr>
+              <a:t>CAPSi</a:t>
+            </a:r>
+            <a:r>
+              <a:rPr lang="pt-BR" sz="1800" dirty="0">
+                <a:solidFill>
+                  <a:srgbClr val="000000"/>
+                </a:solidFill>
+                <a:latin typeface="Arial" panose="020B0604020202020204" pitchFamily="34" charset="0"/>
+              </a:rPr>
+              <a:t> (para crianças e adolescentes).</a:t>
+            </a:r>
+            <a:endParaRPr lang="pt-BR" b="0" dirty="0">
+              <a:effectLst/>
+            </a:endParaRPr>
           </a:p>
           <a:p>
-            <a:pPr algn="l">
-              <a:buFont typeface="Arial" panose="020B0604020202020204" pitchFamily="34" charset="0"/>
-              <a:buChar char="•"/>
-            </a:pPr>
+            <a:pPr algn="just"/>
             <a:r>
-              <a:rPr lang="pt-BR" b="0" i="0" dirty="0">
+              <a:rPr lang="pt-BR" sz="1800" dirty="0">
                 <a:solidFill>
-                  <a:srgbClr val="1F1F1F"/>
+                  <a:srgbClr val="000000"/>
                 </a:solidFill>
-                <a:effectLst/>
-                <a:latin typeface="Google Sans"/>
+                <a:latin typeface="Arial" panose="020B0604020202020204" pitchFamily="34" charset="0"/>
               </a:rPr>
-              <a:t>Atenção especializada: é a atenção oferecida pelos CAPS (Centros de Atenção Psicossocial), que são serviços de saúde mental que oferecem atendimento multidisciplinar, a pessoas com transtornos mentais graves e persistentes.</a:t>
+              <a:t>Também temos as Unidades de Pronto-Atendimento (UPA), que são como os eletricistas, prontos para resolver rapidamente qualquer problema elétrico que possa surgir. E temos os hospitais, que são como os encanadores, cuidando dos sistemas de água e esgoto da casa.</a:t>
             </a:r>
+            <a:endParaRPr lang="pt-BR" b="0" dirty="0">
+              <a:effectLst/>
+            </a:endParaRPr>
           </a:p>
           <a:p>
-            <a:pPr algn="l"/>
+            <a:pPr algn="just"/>
             <a:r>
-              <a:rPr lang="pt-BR" b="0" i="0" dirty="0">
+              <a:rPr lang="pt-BR" sz="1800" dirty="0">
                 <a:solidFill>
-                  <a:srgbClr val="1F1F1F"/>
+                  <a:srgbClr val="000000"/>
                 </a:solidFill>
-                <a:effectLst/>
-                <a:latin typeface="Google Sans"/>
+                <a:latin typeface="Arial" panose="020B0604020202020204" pitchFamily="34" charset="0"/>
               </a:rPr>
-              <a:t>A RAPS é uma rede integrada, o que significa que os diferentes níveis de atenção trabalham em conjunto para fornecer o melhor atendimento possível às pessoas com transtornos mentais. A RAPS também é uma rede comunitária, o que significa que ela está inserida na comunidade e trabalha em parceria com outras organizações, como escolas, associações de bairro e igrejas.</a:t>
+              <a:t>Além disso, temos o Centro de Especialidade Odontológica (CEO), que é como o pintor, cuidando do acabamento e da aparência da casa. E ainda temos outros serviços secundários e terciários, que são como outros trabalhadores da construção civil, cada um com suas habilidades especiais para ajudar a construir a casa.</a:t>
             </a:r>
+            <a:endParaRPr lang="pt-BR" b="0" dirty="0">
+              <a:effectLst/>
+            </a:endParaRPr>
           </a:p>
           <a:p>
-            <a:pPr algn="l"/>
+            <a:pPr algn="just"/>
             <a:r>
-              <a:rPr lang="pt-BR" b="0" i="0" dirty="0">
+              <a:rPr lang="pt-BR" sz="1800" dirty="0">
                 <a:solidFill>
-                  <a:srgbClr val="1F1F1F"/>
+                  <a:srgbClr val="000000"/>
                 </a:solidFill>
-                <a:effectLst/>
-                <a:latin typeface="Google Sans"/>
+                <a:latin typeface="Arial" panose="020B0604020202020204" pitchFamily="34" charset="0"/>
               </a:rPr>
-              <a:t>A RAPS é uma importante ferramenta para a promoção da saúde mental no Brasil. A RAPS tem como objetivo garantir o acesso à atenção integral às pessoas com transtornos mentais, em todos os níveis de atenção, e promover a inclusão social das pessoas com transtornos mentais.</a:t>
+              <a:t>Juntos, todos esses membros da equipe RAPS trabalham para garantir que as pessoas tenham uma casa segura e confortável para viver. É como se fossem uma grande equipe de construção civil trabalhando juntos para construir uma casa forte e segura para todos!</a:t>
             </a:r>
-          </a:p>
-          <a:p>
-            <a:pPr algn="l"/>
-            <a:r>
-              <a:rPr lang="pt-BR" b="0" i="0" dirty="0">
-                <a:solidFill>
-                  <a:srgbClr val="1F1F1F"/>
-                </a:solidFill>
-                <a:effectLst/>
-                <a:latin typeface="Google Sans"/>
-              </a:rPr>
-              <a:t>Aqui estão algumas analogias e metáforas que podem ser usadas para explicar a RAPS para crianças de 5 anos:</a:t>
-            </a:r>
-          </a:p>
-          <a:p>
-            <a:pPr algn="l">
-              <a:buFont typeface="Arial" panose="020B0604020202020204" pitchFamily="34" charset="0"/>
-              <a:buChar char="•"/>
-            </a:pPr>
-            <a:r>
-              <a:rPr lang="pt-BR" b="0" i="0" dirty="0">
-                <a:solidFill>
-                  <a:srgbClr val="1F1F1F"/>
-                </a:solidFill>
-                <a:effectLst/>
-                <a:latin typeface="Google Sans"/>
-              </a:rPr>
-              <a:t>A RAPS é como uma rede de segurança. A rede de segurança é um conjunto de cordas que são amarradas em uma torre e que protegem as pessoas de caírem se elas forem muito perto da borda. A RAPS é como uma rede de segurança para as pessoas com transtornos mentais. Ela ajuda as pessoas a não caírem no abismo da doença mental.</a:t>
-            </a:r>
-          </a:p>
-          <a:p>
-            <a:pPr algn="l">
-              <a:buFont typeface="Arial" panose="020B0604020202020204" pitchFamily="34" charset="0"/>
-              <a:buChar char="•"/>
-            </a:pPr>
-            <a:r>
-              <a:rPr lang="pt-BR" b="0" i="0" dirty="0">
-                <a:solidFill>
-                  <a:srgbClr val="1F1F1F"/>
-                </a:solidFill>
-                <a:effectLst/>
-                <a:latin typeface="Google Sans"/>
-              </a:rPr>
-              <a:t>A RAPS é como uma ponte. A ponte é uma construção que permite que as pessoas atravessem um rio ou um abismo. A RAPS é como uma ponte para a recuperação. Ela ajuda as pessoas a atravessar o abismo da doença mental e a recuperar a sua vida.</a:t>
-            </a:r>
-          </a:p>
-          <a:p>
-            <a:pPr algn="l">
-              <a:buFont typeface="Arial" panose="020B0604020202020204" pitchFamily="34" charset="0"/>
-              <a:buChar char="•"/>
-            </a:pPr>
-            <a:r>
-              <a:rPr lang="pt-BR" b="0" i="0" dirty="0">
-                <a:solidFill>
-                  <a:srgbClr val="1F1F1F"/>
-                </a:solidFill>
-                <a:effectLst/>
-                <a:latin typeface="Google Sans"/>
-              </a:rPr>
-              <a:t>A RAPS é como uma família. A família é um grupo de pessoas que se amam e que se apoiam. A RAPS é como uma família para as pessoas com transtornos mentais. Ela oferece amor, apoio e compreensão.</a:t>
-            </a:r>
-          </a:p>
-          <a:p>
-            <a:pPr algn="l">
-              <a:buFont typeface="Arial" panose="020B0604020202020204" pitchFamily="34" charset="0"/>
-              <a:buNone/>
-            </a:pPr>
-            <a:r>
-              <a:rPr lang="pt-BR" b="0" i="0" dirty="0">
-                <a:solidFill>
-                  <a:srgbClr val="1F1F1F"/>
-                </a:solidFill>
-                <a:effectLst/>
-                <a:latin typeface="Google Sans"/>
-              </a:rPr>
-              <a:t>ChatGPT</a:t>
-            </a:r>
-          </a:p>
-          <a:p>
-            <a:pPr algn="l"/>
-            <a:r>
-              <a:rPr lang="pt-BR" b="0" i="0" dirty="0">
-                <a:solidFill>
-                  <a:srgbClr val="374151"/>
-                </a:solidFill>
-                <a:effectLst/>
-                <a:latin typeface="Söhne"/>
-              </a:rPr>
-              <a:t>Imagine que a rede de assistência à população é como um grande time de super-heróis. Cada super-herói tem habilidades especiais para ajudar as pessoas que precisam de cuidado e apoio em relação à sua saúde mental. Eles trabalham juntos para garantir que todos sejam cuidados e se sintam melhor.</a:t>
-            </a:r>
-          </a:p>
-          <a:p>
-            <a:pPr algn="l"/>
-            <a:r>
-              <a:rPr lang="pt-BR" b="0" i="0" dirty="0">
-                <a:solidFill>
-                  <a:srgbClr val="374151"/>
-                </a:solidFill>
-                <a:effectLst/>
-                <a:latin typeface="Söhne"/>
-              </a:rPr>
-              <a:t>Em 2013, esse time de super-heróis ganhou um reforço muito importante chamado RAPS, que é uma abreviação para "Rede de Atenção Psicossocial". Com a chegada da RAPS, o time ficou ainda mais forte e organizado para atender todas as pessoas que precisam de ajuda com suas emoções e pensamentos.</a:t>
-            </a:r>
-          </a:p>
-          <a:p>
-            <a:pPr algn="l"/>
-            <a:r>
-              <a:rPr lang="pt-BR" b="0" i="0" dirty="0">
-                <a:solidFill>
-                  <a:srgbClr val="374151"/>
-                </a:solidFill>
-                <a:effectLst/>
-                <a:latin typeface="Söhne"/>
-              </a:rPr>
-              <a:t>Os super-heróis da RAPS trabalham em diferentes níveis de apoio, como se fossem andares de um prédio. No primeiro andar, temos a "Atenção Primária", onde os super-heróis da Estratégia de Saúde da Família e do Núcleo de Apoio à Saúde da Família estão prontos para ajudar as pessoas que precisam de cuidados mais simples.</a:t>
-            </a:r>
-          </a:p>
-          <a:p>
-            <a:pPr algn="l"/>
-            <a:r>
-              <a:rPr lang="pt-BR" b="0" i="0" dirty="0">
-                <a:solidFill>
-                  <a:srgbClr val="374151"/>
-                </a:solidFill>
-                <a:effectLst/>
-                <a:latin typeface="Söhne"/>
-              </a:rPr>
-              <a:t>No segundo andar, temos a "Atenção Especializada", onde estão os super-heróis dos CAPS (Centros de Atenção Psicossocial) e outras unidades de saúde mais específicas. Eles são especialistas em cuidar de problemas mais complexos, como lidar com superpoderes que podem ser perigosos para a pessoa.</a:t>
-            </a:r>
-          </a:p>
-          <a:p>
-            <a:pPr algn="l"/>
-            <a:r>
-              <a:rPr lang="pt-BR" b="0" i="0" dirty="0">
-                <a:solidFill>
-                  <a:srgbClr val="374151"/>
-                </a:solidFill>
-                <a:effectLst/>
-                <a:latin typeface="Söhne"/>
-              </a:rPr>
-              <a:t>A ideia é que esses super-heróis trabalhem juntos, se unindo como uma verdadeira equipe de super-heróis, para utilizar os recursos disponíveis na região e garantir que todas as pessoas tenham os mesmos direitos de cuidado e atenção. Eles querem que todos se sintam bem, como se tivessem um escudo protetor para enfrentar as dificuldades da vida.</a:t>
-            </a:r>
-          </a:p>
-          <a:p>
-            <a:pPr algn="l"/>
-            <a:r>
-              <a:rPr lang="pt-BR" b="0" i="0" dirty="0">
-                <a:solidFill>
-                  <a:srgbClr val="374151"/>
-                </a:solidFill>
-                <a:effectLst/>
-                <a:latin typeface="Söhne"/>
-              </a:rPr>
-              <a:t>Assim, essa rede de super-heróis da saúde mental está sempre pronta para agir, voando pelos céus para levar cuidado e esperança a todas as pessoas que precisam. Eles são verdadeiros defensores dos direitos humanos e trabalham incansavelmente para garantir que ninguém seja deixado para trás, como um verdadeiro abraço emocional que abrange a todos.</a:t>
-            </a:r>
+            <a:endParaRPr lang="pt-BR" b="0" dirty="0">
+              <a:effectLst/>
+            </a:endParaRPr>
           </a:p>
         </p:txBody>
       </p:sp>
@@ -14053,7 +14188,7 @@
     </p:spTree>
     <p:extLst>
       <p:ext uri="{BB962C8B-B14F-4D97-AF65-F5344CB8AC3E}">
-        <p14:creationId xmlns:p14="http://schemas.microsoft.com/office/powerpoint/2010/main" val="4097837401"/>
+        <p14:creationId xmlns:p14="http://schemas.microsoft.com/office/powerpoint/2010/main" val="1946793131"/>
       </p:ext>
     </p:extLst>
   </p:cSld>
@@ -14063,7 +14198,7 @@
 </p:notes>
 </file>
 
-<file path=ppt/notesSlides/notesSlide4.xml><?xml version="1.0" encoding="utf-8"?>
+<file path=ppt/notesSlides/notesSlide6.xml><?xml version="1.0" encoding="utf-8"?>
 <p:notes xmlns:a="http://schemas.openxmlformats.org/drawingml/2006/main" xmlns:r="http://schemas.openxmlformats.org/officeDocument/2006/relationships" xmlns:p="http://schemas.openxmlformats.org/presentationml/2006/main">
   <p:cSld>
     <p:spTree>
@@ -14228,7 +14363,7 @@
 </p:notes>
 </file>
 
-<file path=ppt/notesSlides/notesSlide5.xml><?xml version="1.0" encoding="utf-8"?>
+<file path=ppt/notesSlides/notesSlide7.xml><?xml version="1.0" encoding="utf-8"?>
 <p:notes xmlns:a="http://schemas.openxmlformats.org/drawingml/2006/main" xmlns:r="http://schemas.openxmlformats.org/officeDocument/2006/relationships" xmlns:p="http://schemas.openxmlformats.org/presentationml/2006/main">
   <p:cSld>
     <p:spTree>
@@ -14493,7 +14628,7 @@
 </p:notes>
 </file>
 
-<file path=ppt/notesSlides/notesSlide6.xml><?xml version="1.0" encoding="utf-8"?>
+<file path=ppt/notesSlides/notesSlide8.xml><?xml version="1.0" encoding="utf-8"?>
 <p:notes xmlns:a="http://schemas.openxmlformats.org/drawingml/2006/main" xmlns:r="http://schemas.openxmlformats.org/officeDocument/2006/relationships" xmlns:p="http://schemas.openxmlformats.org/presentationml/2006/main">
   <p:cSld>
     <p:spTree>
@@ -14569,6 +14704,91 @@
     <p:extLst>
       <p:ext uri="{BB962C8B-B14F-4D97-AF65-F5344CB8AC3E}">
         <p14:creationId xmlns:p14="http://schemas.microsoft.com/office/powerpoint/2010/main" val="2223005947"/>
+      </p:ext>
+    </p:extLst>
+  </p:cSld>
+  <p:clrMapOvr>
+    <a:masterClrMapping/>
+  </p:clrMapOvr>
+</p:notes>
+</file>
+
+<file path=ppt/notesSlides/notesSlide9.xml><?xml version="1.0" encoding="utf-8"?>
+<p:notes xmlns:a="http://schemas.openxmlformats.org/drawingml/2006/main" xmlns:r="http://schemas.openxmlformats.org/officeDocument/2006/relationships" xmlns:p="http://schemas.openxmlformats.org/presentationml/2006/main">
+  <p:cSld>
+    <p:spTree>
+      <p:nvGrpSpPr>
+        <p:cNvPr id="1" name=""/>
+        <p:cNvGrpSpPr/>
+        <p:nvPr/>
+      </p:nvGrpSpPr>
+      <p:grpSpPr>
+        <a:xfrm>
+          <a:off x="0" y="0"/>
+          <a:ext cx="0" cy="0"/>
+          <a:chOff x="0" y="0"/>
+          <a:chExt cx="0" cy="0"/>
+        </a:xfrm>
+      </p:grpSpPr>
+      <p:sp>
+        <p:nvSpPr>
+          <p:cNvPr id="2" name="Espaço Reservado para Imagem de Slide 1"/>
+          <p:cNvSpPr>
+            <a:spLocks noGrp="1" noRot="1" noChangeAspect="1"/>
+          </p:cNvSpPr>
+          <p:nvPr>
+            <p:ph type="sldImg"/>
+          </p:nvPr>
+        </p:nvSpPr>
+        <p:spPr/>
+      </p:sp>
+      <p:sp>
+        <p:nvSpPr>
+          <p:cNvPr id="3" name="Espaço Reservado para Anotações 2"/>
+          <p:cNvSpPr>
+            <a:spLocks noGrp="1"/>
+          </p:cNvSpPr>
+          <p:nvPr>
+            <p:ph type="body" idx="1"/>
+          </p:nvPr>
+        </p:nvSpPr>
+        <p:spPr/>
+        <p:txBody>
+          <a:bodyPr/>
+          <a:lstStyle/>
+          <a:p>
+            <a:endParaRPr lang="pt-BR"/>
+          </a:p>
+        </p:txBody>
+      </p:sp>
+      <p:sp>
+        <p:nvSpPr>
+          <p:cNvPr id="4" name="Espaço Reservado para Número de Slide 3"/>
+          <p:cNvSpPr>
+            <a:spLocks noGrp="1"/>
+          </p:cNvSpPr>
+          <p:nvPr>
+            <p:ph type="sldNum" sz="quarter" idx="5"/>
+          </p:nvPr>
+        </p:nvSpPr>
+        <p:spPr/>
+        <p:txBody>
+          <a:bodyPr/>
+          <a:lstStyle/>
+          <a:p>
+            <a:pPr rtl="0"/>
+            <a:fld id="{060C6D3C-9EB0-4F2C-9026-3887D1CDB44E}" type="slidenum">
+              <a:rPr lang="pt-BR" noProof="0" smtClean="0"/>
+              <a:t>9</a:t>
+            </a:fld>
+            <a:endParaRPr lang="pt-BR" noProof="0" dirty="0"/>
+          </a:p>
+        </p:txBody>
+      </p:sp>
+    </p:spTree>
+    <p:extLst>
+      <p:ext uri="{BB962C8B-B14F-4D97-AF65-F5344CB8AC3E}">
+        <p14:creationId xmlns:p14="http://schemas.microsoft.com/office/powerpoint/2010/main" val="2307066264"/>
       </p:ext>
     </p:extLst>
   </p:cSld>
@@ -20740,7 +20960,7 @@
           <p:nvPr/>
         </p:nvPicPr>
         <p:blipFill rotWithShape="1">
-          <a:blip r:embed="rId2"/>
+          <a:blip r:embed="rId3"/>
           <a:srcRect l="24886" t="6039" r="25341" b="5432"/>
           <a:stretch/>
         </p:blipFill>
@@ -20849,7 +21069,7 @@
           </p:nvPr>
         </p:nvPicPr>
         <p:blipFill rotWithShape="1">
-          <a:blip r:embed="rId2"/>
+          <a:blip r:embed="rId3"/>
           <a:srcRect l="14115" t="28740" r="15565" b="5408"/>
           <a:stretch/>
         </p:blipFill>
@@ -20917,7 +21137,7 @@
           <p:nvPr/>
         </p:nvPicPr>
         <p:blipFill rotWithShape="1">
-          <a:blip r:embed="rId2"/>
+          <a:blip r:embed="rId3"/>
           <a:srcRect l="14318" t="22411" r="15795" b="7980"/>
           <a:stretch/>
         </p:blipFill>
@@ -21024,7 +21244,7 @@
           <p:nvPr/>
         </p:nvPicPr>
         <p:blipFill rotWithShape="1">
-          <a:blip r:embed="rId2"/>
+          <a:blip r:embed="rId3"/>
           <a:srcRect l="14319" t="25140" r="15625" b="5735"/>
           <a:stretch/>
         </p:blipFill>
@@ -21121,477 +21341,6 @@
           <p:cNvPr id="2" name="Título 1">
             <a:extLst>
               <a:ext uri="{FF2B5EF4-FFF2-40B4-BE49-F238E27FC236}">
-                <a16:creationId xmlns:a16="http://schemas.microsoft.com/office/drawing/2014/main" id="{B3DB1C5D-0808-0929-E192-D96012B0FF56}"/>
-              </a:ext>
-            </a:extLst>
-          </p:cNvPr>
-          <p:cNvSpPr>
-            <a:spLocks noGrp="1"/>
-          </p:cNvSpPr>
-          <p:nvPr>
-            <p:ph type="title"/>
-          </p:nvPr>
-        </p:nvSpPr>
-        <p:spPr/>
-        <p:txBody>
-          <a:bodyPr/>
-          <a:lstStyle/>
-          <a:p>
-            <a:r>
-              <a:rPr lang="pt-BR" dirty="0"/>
-              <a:t>Ao final da APRESENTAÇÃO, você será capaz de:</a:t>
-            </a:r>
-          </a:p>
-        </p:txBody>
-      </p:sp>
-      <p:sp>
-        <p:nvSpPr>
-          <p:cNvPr id="3" name="Espaço Reservado para Conteúdo 2">
-            <a:extLst>
-              <a:ext uri="{FF2B5EF4-FFF2-40B4-BE49-F238E27FC236}">
-                <a16:creationId xmlns:a16="http://schemas.microsoft.com/office/drawing/2014/main" id="{0DB87266-C221-82F9-A01C-C7A435837058}"/>
-              </a:ext>
-            </a:extLst>
-          </p:cNvPr>
-          <p:cNvSpPr>
-            <a:spLocks noGrp="1"/>
-          </p:cNvSpPr>
-          <p:nvPr>
-            <p:ph sz="quarter" idx="10"/>
-          </p:nvPr>
-        </p:nvSpPr>
-        <p:spPr/>
-        <p:txBody>
-          <a:bodyPr/>
-          <a:lstStyle/>
-          <a:p>
-            <a:r>
-              <a:rPr lang="pt-BR" dirty="0"/>
-              <a:t>Reconhecer a RAPS, as diferentes políticas públicas e os dispositivos comunitários do território/contexto para a atenção integral aos usuários e à comunidade.</a:t>
-            </a:r>
-          </a:p>
-          <a:p>
-            <a:r>
-              <a:rPr lang="pt-BR" dirty="0"/>
-              <a:t>Promover habilidades para a territorialização e o diagnóstico situacional.</a:t>
-            </a:r>
-          </a:p>
-          <a:p>
-            <a:r>
-              <a:rPr lang="pt-BR" dirty="0"/>
-              <a:t>Identificar as vulnerabilidades e potencialidades sociais e clínicas nos territórios e nos seus diferentes contextos.</a:t>
-            </a:r>
-          </a:p>
-          <a:p>
-            <a:r>
-              <a:rPr lang="pt-BR" dirty="0"/>
-              <a:t>Promover a integração da atenção psicossocial com atenção primária à saúde, garantindo a continuidade do cuidado.</a:t>
-            </a:r>
-          </a:p>
-          <a:p>
-            <a:r>
-              <a:rPr lang="pt-BR" dirty="0"/>
-              <a:t>Fortalecer o cuidado colaborativo e apoio às equipes da atenção primária para qualificação do </a:t>
-            </a:r>
-            <a:r>
-              <a:rPr lang="pt-BR" dirty="0" err="1"/>
-              <a:t>matriciamento</a:t>
-            </a:r>
-            <a:r>
-              <a:rPr lang="pt-BR" dirty="0"/>
-              <a:t>.</a:t>
-            </a:r>
-          </a:p>
-          <a:p>
-            <a:endParaRPr lang="pt-BR" dirty="0"/>
-          </a:p>
-        </p:txBody>
-      </p:sp>
-    </p:spTree>
-    <p:extLst>
-      <p:ext uri="{BB962C8B-B14F-4D97-AF65-F5344CB8AC3E}">
-        <p14:creationId xmlns:p14="http://schemas.microsoft.com/office/powerpoint/2010/main" val="2865859738"/>
-      </p:ext>
-    </p:extLst>
-  </p:cSld>
-  <p:clrMapOvr>
-    <a:masterClrMapping/>
-  </p:clrMapOvr>
-  <mc:AlternateContent xmlns:mc="http://schemas.openxmlformats.org/markup-compatibility/2006" xmlns:p14="http://schemas.microsoft.com/office/powerpoint/2010/main">
-    <mc:Choice Requires="p14">
-      <p:transition spd="med" p14:dur="700">
-        <p:fade/>
-      </p:transition>
-    </mc:Choice>
-    <mc:Fallback xmlns="">
-      <p:transition spd="med">
-        <p:fade/>
-      </p:transition>
-    </mc:Fallback>
-  </mc:AlternateContent>
-  <p:timing>
-    <p:tnLst>
-      <p:par>
-        <p:cTn id="1" dur="indefinite" restart="never" nodeType="tmRoot">
-          <p:childTnLst>
-            <p:seq concurrent="1" nextAc="seek">
-              <p:cTn id="2" dur="indefinite" nodeType="mainSeq">
-                <p:childTnLst>
-                  <p:par>
-                    <p:cTn id="3" fill="hold">
-                      <p:stCondLst>
-                        <p:cond delay="indefinite"/>
-                      </p:stCondLst>
-                      <p:childTnLst>
-                        <p:par>
-                          <p:cTn id="4" fill="hold">
-                            <p:stCondLst>
-                              <p:cond delay="0"/>
-                            </p:stCondLst>
-                            <p:childTnLst>
-                              <p:par>
-                                <p:cTn id="5" presetID="10" presetClass="entr" presetSubtype="0" fill="hold" grpId="0" nodeType="clickEffect">
-                                  <p:stCondLst>
-                                    <p:cond delay="0"/>
-                                  </p:stCondLst>
-                                  <p:childTnLst>
-                                    <p:set>
-                                      <p:cBhvr>
-                                        <p:cTn id="6" dur="1" fill="hold">
-                                          <p:stCondLst>
-                                            <p:cond delay="0"/>
-                                          </p:stCondLst>
-                                        </p:cTn>
-                                        <p:tgtEl>
-                                          <p:spTgt spid="3">
-                                            <p:txEl>
-                                              <p:pRg st="0" end="0"/>
-                                            </p:txEl>
-                                          </p:spTgt>
-                                        </p:tgtEl>
-                                        <p:attrNameLst>
-                                          <p:attrName>style.visibility</p:attrName>
-                                        </p:attrNameLst>
-                                      </p:cBhvr>
-                                      <p:to>
-                                        <p:strVal val="visible"/>
-                                      </p:to>
-                                    </p:set>
-                                    <p:animEffect transition="in" filter="fade">
-                                      <p:cBhvr>
-                                        <p:cTn id="7" dur="500"/>
-                                        <p:tgtEl>
-                                          <p:spTgt spid="3">
-                                            <p:txEl>
-                                              <p:pRg st="0" end="0"/>
-                                            </p:txEl>
-                                          </p:spTgt>
-                                        </p:tgtEl>
-                                      </p:cBhvr>
-                                    </p:animEffect>
-                                  </p:childTnLst>
-                                </p:cTn>
-                              </p:par>
-                            </p:childTnLst>
-                          </p:cTn>
-                        </p:par>
-                      </p:childTnLst>
-                    </p:cTn>
-                  </p:par>
-                  <p:par>
-                    <p:cTn id="8" fill="hold">
-                      <p:stCondLst>
-                        <p:cond delay="indefinite"/>
-                      </p:stCondLst>
-                      <p:childTnLst>
-                        <p:par>
-                          <p:cTn id="9" fill="hold">
-                            <p:stCondLst>
-                              <p:cond delay="0"/>
-                            </p:stCondLst>
-                            <p:childTnLst>
-                              <p:par>
-                                <p:cTn id="10" presetID="10" presetClass="entr" presetSubtype="0" fill="hold" grpId="0" nodeType="clickEffect">
-                                  <p:stCondLst>
-                                    <p:cond delay="0"/>
-                                  </p:stCondLst>
-                                  <p:childTnLst>
-                                    <p:set>
-                                      <p:cBhvr>
-                                        <p:cTn id="11" dur="1" fill="hold">
-                                          <p:stCondLst>
-                                            <p:cond delay="0"/>
-                                          </p:stCondLst>
-                                        </p:cTn>
-                                        <p:tgtEl>
-                                          <p:spTgt spid="3">
-                                            <p:txEl>
-                                              <p:pRg st="1" end="1"/>
-                                            </p:txEl>
-                                          </p:spTgt>
-                                        </p:tgtEl>
-                                        <p:attrNameLst>
-                                          <p:attrName>style.visibility</p:attrName>
-                                        </p:attrNameLst>
-                                      </p:cBhvr>
-                                      <p:to>
-                                        <p:strVal val="visible"/>
-                                      </p:to>
-                                    </p:set>
-                                    <p:animEffect transition="in" filter="fade">
-                                      <p:cBhvr>
-                                        <p:cTn id="12" dur="500"/>
-                                        <p:tgtEl>
-                                          <p:spTgt spid="3">
-                                            <p:txEl>
-                                              <p:pRg st="1" end="1"/>
-                                            </p:txEl>
-                                          </p:spTgt>
-                                        </p:tgtEl>
-                                      </p:cBhvr>
-                                    </p:animEffect>
-                                  </p:childTnLst>
-                                </p:cTn>
-                              </p:par>
-                            </p:childTnLst>
-                          </p:cTn>
-                        </p:par>
-                      </p:childTnLst>
-                    </p:cTn>
-                  </p:par>
-                  <p:par>
-                    <p:cTn id="13" fill="hold">
-                      <p:stCondLst>
-                        <p:cond delay="indefinite"/>
-                      </p:stCondLst>
-                      <p:childTnLst>
-                        <p:par>
-                          <p:cTn id="14" fill="hold">
-                            <p:stCondLst>
-                              <p:cond delay="0"/>
-                            </p:stCondLst>
-                            <p:childTnLst>
-                              <p:par>
-                                <p:cTn id="15" presetID="10" presetClass="entr" presetSubtype="0" fill="hold" grpId="0" nodeType="clickEffect">
-                                  <p:stCondLst>
-                                    <p:cond delay="0"/>
-                                  </p:stCondLst>
-                                  <p:childTnLst>
-                                    <p:set>
-                                      <p:cBhvr>
-                                        <p:cTn id="16" dur="1" fill="hold">
-                                          <p:stCondLst>
-                                            <p:cond delay="0"/>
-                                          </p:stCondLst>
-                                        </p:cTn>
-                                        <p:tgtEl>
-                                          <p:spTgt spid="3">
-                                            <p:txEl>
-                                              <p:pRg st="2" end="2"/>
-                                            </p:txEl>
-                                          </p:spTgt>
-                                        </p:tgtEl>
-                                        <p:attrNameLst>
-                                          <p:attrName>style.visibility</p:attrName>
-                                        </p:attrNameLst>
-                                      </p:cBhvr>
-                                      <p:to>
-                                        <p:strVal val="visible"/>
-                                      </p:to>
-                                    </p:set>
-                                    <p:animEffect transition="in" filter="fade">
-                                      <p:cBhvr>
-                                        <p:cTn id="17" dur="500"/>
-                                        <p:tgtEl>
-                                          <p:spTgt spid="3">
-                                            <p:txEl>
-                                              <p:pRg st="2" end="2"/>
-                                            </p:txEl>
-                                          </p:spTgt>
-                                        </p:tgtEl>
-                                      </p:cBhvr>
-                                    </p:animEffect>
-                                  </p:childTnLst>
-                                </p:cTn>
-                              </p:par>
-                            </p:childTnLst>
-                          </p:cTn>
-                        </p:par>
-                      </p:childTnLst>
-                    </p:cTn>
-                  </p:par>
-                  <p:par>
-                    <p:cTn id="18" fill="hold">
-                      <p:stCondLst>
-                        <p:cond delay="indefinite"/>
-                      </p:stCondLst>
-                      <p:childTnLst>
-                        <p:par>
-                          <p:cTn id="19" fill="hold">
-                            <p:stCondLst>
-                              <p:cond delay="0"/>
-                            </p:stCondLst>
-                            <p:childTnLst>
-                              <p:par>
-                                <p:cTn id="20" presetID="10" presetClass="entr" presetSubtype="0" fill="hold" grpId="0" nodeType="clickEffect">
-                                  <p:stCondLst>
-                                    <p:cond delay="0"/>
-                                  </p:stCondLst>
-                                  <p:childTnLst>
-                                    <p:set>
-                                      <p:cBhvr>
-                                        <p:cTn id="21" dur="1" fill="hold">
-                                          <p:stCondLst>
-                                            <p:cond delay="0"/>
-                                          </p:stCondLst>
-                                        </p:cTn>
-                                        <p:tgtEl>
-                                          <p:spTgt spid="3">
-                                            <p:txEl>
-                                              <p:pRg st="3" end="3"/>
-                                            </p:txEl>
-                                          </p:spTgt>
-                                        </p:tgtEl>
-                                        <p:attrNameLst>
-                                          <p:attrName>style.visibility</p:attrName>
-                                        </p:attrNameLst>
-                                      </p:cBhvr>
-                                      <p:to>
-                                        <p:strVal val="visible"/>
-                                      </p:to>
-                                    </p:set>
-                                    <p:animEffect transition="in" filter="fade">
-                                      <p:cBhvr>
-                                        <p:cTn id="22" dur="500"/>
-                                        <p:tgtEl>
-                                          <p:spTgt spid="3">
-                                            <p:txEl>
-                                              <p:pRg st="3" end="3"/>
-                                            </p:txEl>
-                                          </p:spTgt>
-                                        </p:tgtEl>
-                                      </p:cBhvr>
-                                    </p:animEffect>
-                                  </p:childTnLst>
-                                </p:cTn>
-                              </p:par>
-                            </p:childTnLst>
-                          </p:cTn>
-                        </p:par>
-                      </p:childTnLst>
-                    </p:cTn>
-                  </p:par>
-                  <p:par>
-                    <p:cTn id="23" fill="hold">
-                      <p:stCondLst>
-                        <p:cond delay="indefinite"/>
-                      </p:stCondLst>
-                      <p:childTnLst>
-                        <p:par>
-                          <p:cTn id="24" fill="hold">
-                            <p:stCondLst>
-                              <p:cond delay="0"/>
-                            </p:stCondLst>
-                            <p:childTnLst>
-                              <p:par>
-                                <p:cTn id="25" presetID="10" presetClass="entr" presetSubtype="0" fill="hold" grpId="0" nodeType="clickEffect">
-                                  <p:stCondLst>
-                                    <p:cond delay="0"/>
-                                  </p:stCondLst>
-                                  <p:childTnLst>
-                                    <p:set>
-                                      <p:cBhvr>
-                                        <p:cTn id="26" dur="1" fill="hold">
-                                          <p:stCondLst>
-                                            <p:cond delay="0"/>
-                                          </p:stCondLst>
-                                        </p:cTn>
-                                        <p:tgtEl>
-                                          <p:spTgt spid="3">
-                                            <p:txEl>
-                                              <p:pRg st="4" end="4"/>
-                                            </p:txEl>
-                                          </p:spTgt>
-                                        </p:tgtEl>
-                                        <p:attrNameLst>
-                                          <p:attrName>style.visibility</p:attrName>
-                                        </p:attrNameLst>
-                                      </p:cBhvr>
-                                      <p:to>
-                                        <p:strVal val="visible"/>
-                                      </p:to>
-                                    </p:set>
-                                    <p:animEffect transition="in" filter="fade">
-                                      <p:cBhvr>
-                                        <p:cTn id="27" dur="500"/>
-                                        <p:tgtEl>
-                                          <p:spTgt spid="3">
-                                            <p:txEl>
-                                              <p:pRg st="4" end="4"/>
-                                            </p:txEl>
-                                          </p:spTgt>
-                                        </p:tgtEl>
-                                      </p:cBhvr>
-                                    </p:animEffect>
-                                  </p:childTnLst>
-                                </p:cTn>
-                              </p:par>
-                            </p:childTnLst>
-                          </p:cTn>
-                        </p:par>
-                      </p:childTnLst>
-                    </p:cTn>
-                  </p:par>
-                </p:childTnLst>
-              </p:cTn>
-              <p:prevCondLst>
-                <p:cond evt="onPrev" delay="0">
-                  <p:tgtEl>
-                    <p:sldTgt/>
-                  </p:tgtEl>
-                </p:cond>
-              </p:prevCondLst>
-              <p:nextCondLst>
-                <p:cond evt="onNext" delay="0">
-                  <p:tgtEl>
-                    <p:sldTgt/>
-                  </p:tgtEl>
-                </p:cond>
-              </p:nextCondLst>
-            </p:seq>
-          </p:childTnLst>
-        </p:cTn>
-      </p:par>
-    </p:tnLst>
-    <p:bldLst>
-      <p:bldP spid="3" grpId="0" uiExpand="1" build="p"/>
-    </p:bldLst>
-  </p:timing>
-</p:sld>
-</file>
-
-<file path=ppt/slides/slide3.xml><?xml version="1.0" encoding="utf-8"?>
-<p:sld xmlns:a="http://schemas.openxmlformats.org/drawingml/2006/main" xmlns:r="http://schemas.openxmlformats.org/officeDocument/2006/relationships" xmlns:p="http://schemas.openxmlformats.org/presentationml/2006/main">
-  <p:cSld>
-    <p:spTree>
-      <p:nvGrpSpPr>
-        <p:cNvPr id="1" name=""/>
-        <p:cNvGrpSpPr/>
-        <p:nvPr/>
-      </p:nvGrpSpPr>
-      <p:grpSpPr>
-        <a:xfrm>
-          <a:off x="0" y="0"/>
-          <a:ext cx="0" cy="0"/>
-          <a:chOff x="0" y="0"/>
-          <a:chExt cx="0" cy="0"/>
-        </a:xfrm>
-      </p:grpSpPr>
-      <p:sp>
-        <p:nvSpPr>
-          <p:cNvPr id="2" name="Título 1">
-            <a:extLst>
-              <a:ext uri="{FF2B5EF4-FFF2-40B4-BE49-F238E27FC236}">
                 <a16:creationId xmlns:a16="http://schemas.microsoft.com/office/drawing/2014/main" id="{CD47AF03-C852-A317-9A15-61C8164478B5}"/>
               </a:ext>
             </a:extLst>
@@ -21631,7 +21380,7 @@
             <p:ph sz="quarter" idx="10"/>
             <p:extLst>
               <p:ext uri="{D42A27DB-BD31-4B8C-83A1-F6EECF244321}">
-                <p14:modId xmlns:p14="http://schemas.microsoft.com/office/powerpoint/2010/main" val="1118498521"/>
+                <p14:modId xmlns:p14="http://schemas.microsoft.com/office/powerpoint/2010/main" val="4244852853"/>
               </p:ext>
             </p:extLst>
           </p:nvPr>
@@ -21759,7 +21508,7 @@
 </p:sld>
 </file>
 
-<file path=ppt/slides/slide4.xml><?xml version="1.0" encoding="utf-8"?>
+<file path=ppt/slides/slide3.xml><?xml version="1.0" encoding="utf-8"?>
 <p:sld xmlns:a="http://schemas.openxmlformats.org/drawingml/2006/main" xmlns:r="http://schemas.openxmlformats.org/officeDocument/2006/relationships" xmlns:p="http://schemas.openxmlformats.org/presentationml/2006/main">
   <p:cSld>
     <p:spTree>
@@ -21940,7 +21689,7 @@
 </p:sld>
 </file>
 
-<file path=ppt/slides/slide5.xml><?xml version="1.0" encoding="utf-8"?>
+<file path=ppt/slides/slide4.xml><?xml version="1.0" encoding="utf-8"?>
 <p:sld xmlns:a="http://schemas.openxmlformats.org/drawingml/2006/main" xmlns:r="http://schemas.openxmlformats.org/officeDocument/2006/relationships" xmlns:p="http://schemas.openxmlformats.org/presentationml/2006/main">
   <p:cSld>
     <p:spTree>
@@ -22004,7 +21753,7 @@
         <p:spPr>
           <a:xfrm>
             <a:off x="673101" y="1848628"/>
-            <a:ext cx="11242675" cy="4489828"/>
+            <a:ext cx="11110189" cy="4489828"/>
           </a:xfrm>
         </p:spPr>
         <p:txBody>
@@ -22606,6 +22355,105 @@
       <p:bldP spid="6" grpId="0" uiExpand="1" build="p"/>
     </p:bldLst>
   </p:timing>
+</p:sld>
+</file>
+
+<file path=ppt/slides/slide5.xml><?xml version="1.0" encoding="utf-8"?>
+<p:sld xmlns:a="http://schemas.openxmlformats.org/drawingml/2006/main" xmlns:r="http://schemas.openxmlformats.org/officeDocument/2006/relationships" xmlns:p="http://schemas.openxmlformats.org/presentationml/2006/main">
+  <p:cSld>
+    <p:spTree>
+      <p:nvGrpSpPr>
+        <p:cNvPr id="1" name=""/>
+        <p:cNvGrpSpPr/>
+        <p:nvPr/>
+      </p:nvGrpSpPr>
+      <p:grpSpPr>
+        <a:xfrm>
+          <a:off x="0" y="0"/>
+          <a:ext cx="0" cy="0"/>
+          <a:chOff x="0" y="0"/>
+          <a:chExt cx="0" cy="0"/>
+        </a:xfrm>
+      </p:grpSpPr>
+      <p:sp>
+        <p:nvSpPr>
+          <p:cNvPr id="2" name="Título 1">
+            <a:extLst>
+              <a:ext uri="{FF2B5EF4-FFF2-40B4-BE49-F238E27FC236}">
+                <a16:creationId xmlns:a16="http://schemas.microsoft.com/office/drawing/2014/main" id="{D1AA0445-1763-2E96-F685-AF34C1426635}"/>
+              </a:ext>
+            </a:extLst>
+          </p:cNvPr>
+          <p:cNvSpPr>
+            <a:spLocks noGrp="1"/>
+          </p:cNvSpPr>
+          <p:nvPr>
+            <p:ph type="title"/>
+          </p:nvPr>
+        </p:nvSpPr>
+        <p:spPr/>
+        <p:txBody>
+          <a:bodyPr/>
+          <a:lstStyle/>
+          <a:p>
+            <a:r>
+              <a:rPr lang="pt-BR" dirty="0"/>
+              <a:t>raps</a:t>
+            </a:r>
+          </a:p>
+        </p:txBody>
+      </p:sp>
+      <p:pic>
+        <p:nvPicPr>
+          <p:cNvPr id="5" name="Imagem 4">
+            <a:extLst>
+              <a:ext uri="{FF2B5EF4-FFF2-40B4-BE49-F238E27FC236}">
+                <a16:creationId xmlns:a16="http://schemas.microsoft.com/office/drawing/2014/main" id="{42195FE6-415D-273D-4C6C-4A9FE0B51E43}"/>
+              </a:ext>
+            </a:extLst>
+          </p:cNvPr>
+          <p:cNvPicPr>
+            <a:picLocks noChangeAspect="1"/>
+          </p:cNvPicPr>
+          <p:nvPr/>
+        </p:nvPicPr>
+        <p:blipFill rotWithShape="1">
+          <a:blip r:embed="rId3"/>
+          <a:srcRect l="14148" t="26944" r="51761" b="13315"/>
+          <a:stretch/>
+        </p:blipFill>
+        <p:spPr>
+          <a:xfrm>
+            <a:off x="2597726" y="1661591"/>
+            <a:ext cx="6276110" cy="4774834"/>
+          </a:xfrm>
+          <a:prstGeom prst="rect">
+            <a:avLst/>
+          </a:prstGeom>
+        </p:spPr>
+      </p:pic>
+    </p:spTree>
+    <p:extLst>
+      <p:ext uri="{BB962C8B-B14F-4D97-AF65-F5344CB8AC3E}">
+        <p14:creationId xmlns:p14="http://schemas.microsoft.com/office/powerpoint/2010/main" val="806294584"/>
+      </p:ext>
+    </p:extLst>
+  </p:cSld>
+  <p:clrMapOvr>
+    <a:masterClrMapping/>
+  </p:clrMapOvr>
+  <mc:AlternateContent xmlns:mc="http://schemas.openxmlformats.org/markup-compatibility/2006" xmlns:p14="http://schemas.microsoft.com/office/powerpoint/2010/main">
+    <mc:Choice Requires="p14">
+      <p:transition spd="med" p14:dur="700">
+        <p:fade/>
+      </p:transition>
+    </mc:Choice>
+    <mc:Fallback xmlns="">
+      <p:transition spd="med">
+        <p:fade/>
+      </p:transition>
+    </mc:Fallback>
+  </mc:AlternateContent>
 </p:sld>
 </file>
 
@@ -23743,7 +23591,7 @@
           <p:nvPr/>
         </p:nvPicPr>
         <p:blipFill rotWithShape="1">
-          <a:blip r:embed="rId2"/>
+          <a:blip r:embed="rId3"/>
           <a:srcRect l="28807" t="24442" r="31136" b="10844"/>
           <a:stretch/>
         </p:blipFill>
@@ -24819,9 +24667,16 @@
 <file path=customXml/itemProps2.xml><?xml version="1.0" encoding="utf-8"?>
 <ds:datastoreItem xmlns:ds="http://schemas.openxmlformats.org/officeDocument/2006/customXml" ds:itemID="{AF4BDB64-2AF8-42D4-96C8-B6B6F098993C}">
   <ds:schemaRefs>
+    <ds:schemaRef ds:uri="16c05727-aa75-4e4a-9b5f-8a80a1165891"/>
+    <ds:schemaRef ds:uri="http://purl.org/dc/dcmitype/"/>
+    <ds:schemaRef ds:uri="http://schemas.microsoft.com/office/infopath/2007/PartnerControls"/>
+    <ds:schemaRef ds:uri="http://purl.org/dc/elements/1.1/"/>
     <ds:schemaRef ds:uri="http://schemas.microsoft.com/office/2006/metadata/properties"/>
-    <ds:schemaRef ds:uri="http://schemas.microsoft.com/office/infopath/2007/PartnerControls"/>
+    <ds:schemaRef ds:uri="http://purl.org/dc/terms/"/>
+    <ds:schemaRef ds:uri="http://schemas.microsoft.com/office/2006/documentManagement/types"/>
+    <ds:schemaRef ds:uri="http://schemas.openxmlformats.org/package/2006/metadata/core-properties"/>
     <ds:schemaRef ds:uri="71af3243-3dd4-4a8d-8c0d-dd76da1f02a5"/>
+    <ds:schemaRef ds:uri="http://www.w3.org/XML/1998/namespace"/>
   </ds:schemaRefs>
 </ds:datastoreItem>
 </file>
